--- a/word2vecの紹介.pptx
+++ b/word2vecの紹介.pptx
@@ -382,7 +382,7 @@
           <a:p>
             <a:fld id="{5D375B9F-FD06-40FF-976E-D5DB3DC1F3C4}" type="datetimeFigureOut">
               <a:rPr kumimoji="1" lang="ja-JP" altLang="en-US" smtClean="0"/>
-              <a:t>2019/12/3</a:t>
+              <a:t>2019/12/4</a:t>
             </a:fld>
             <a:endParaRPr kumimoji="1" lang="ja-JP" altLang="en-US"/>
           </a:p>
@@ -16975,7 +16975,7 @@
           <a:graphicData uri="http://schemas.openxmlformats.org/presentationml/2006/ole">
             <mc:AlternateContent xmlns:mc="http://schemas.openxmlformats.org/markup-compatibility/2006">
               <mc:Choice xmlns:v="urn:schemas-microsoft-com:vml" Requires="v">
-                <p:oleObj spid="_x0000_s1211" name="think-cell Folie" r:id="rId5" imgW="344" imgH="345" progId="TCLayout.ActiveDocument.1">
+                <p:oleObj spid="_x0000_s1212" name="think-cell Folie" r:id="rId5" imgW="344" imgH="345" progId="TCLayout.ActiveDocument.1">
                   <p:embed/>
                 </p:oleObj>
               </mc:Choice>
@@ -17421,7 +17421,7 @@
           <a:graphicData uri="http://schemas.openxmlformats.org/presentationml/2006/ole">
             <mc:AlternateContent xmlns:mc="http://schemas.openxmlformats.org/markup-compatibility/2006">
               <mc:Choice xmlns:v="urn:schemas-microsoft-com:vml" Requires="v">
-                <p:oleObj spid="_x0000_s3259" name="think-cell Folie" r:id="rId5" imgW="344" imgH="345" progId="TCLayout.ActiveDocument.1">
+                <p:oleObj spid="_x0000_s3260" name="think-cell Folie" r:id="rId5" imgW="344" imgH="345" progId="TCLayout.ActiveDocument.1">
                   <p:embed/>
                 </p:oleObj>
               </mc:Choice>
@@ -17826,7 +17826,7 @@
           <a:graphicData uri="http://schemas.openxmlformats.org/presentationml/2006/ole">
             <mc:AlternateContent xmlns:mc="http://schemas.openxmlformats.org/markup-compatibility/2006">
               <mc:Choice xmlns:v="urn:schemas-microsoft-com:vml" Requires="v">
-                <p:oleObj spid="_x0000_s4283" name="think-cell Folie" r:id="rId5" imgW="344" imgH="345" progId="TCLayout.ActiveDocument.1">
+                <p:oleObj spid="_x0000_s4284" name="think-cell Folie" r:id="rId5" imgW="344" imgH="345" progId="TCLayout.ActiveDocument.1">
                   <p:embed/>
                 </p:oleObj>
               </mc:Choice>
@@ -18448,7 +18448,7 @@
           <a:graphicData uri="http://schemas.openxmlformats.org/presentationml/2006/ole">
             <mc:AlternateContent xmlns:mc="http://schemas.openxmlformats.org/markup-compatibility/2006">
               <mc:Choice xmlns:v="urn:schemas-microsoft-com:vml" Requires="v">
-                <p:oleObj spid="_x0000_s5307" name="think-cell Folie" r:id="rId5" imgW="344" imgH="345" progId="TCLayout.ActiveDocument.1">
+                <p:oleObj spid="_x0000_s5308" name="think-cell Folie" r:id="rId5" imgW="344" imgH="345" progId="TCLayout.ActiveDocument.1">
                   <p:embed/>
                 </p:oleObj>
               </mc:Choice>
@@ -19002,7 +19002,7 @@
           <a:graphicData uri="http://schemas.openxmlformats.org/presentationml/2006/ole">
             <mc:AlternateContent xmlns:mc="http://schemas.openxmlformats.org/markup-compatibility/2006">
               <mc:Choice xmlns:v="urn:schemas-microsoft-com:vml" Requires="v">
-                <p:oleObj spid="_x0000_s6331" name="think-cell Folie" r:id="rId5" imgW="344" imgH="345" progId="TCLayout.ActiveDocument.1">
+                <p:oleObj spid="_x0000_s6332" name="think-cell Folie" r:id="rId5" imgW="344" imgH="345" progId="TCLayout.ActiveDocument.1">
                   <p:embed/>
                 </p:oleObj>
               </mc:Choice>
@@ -21791,31 +21791,15 @@
             </a:r>
             <a:r>
               <a:rPr lang="ja-JP" altLang="en-US" dirty="0" smtClean="0"/>
-              <a:t>の</a:t>
-            </a:r>
-            <a:r>
-              <a:rPr lang="ja-JP" altLang="en-US" dirty="0" smtClean="0"/>
-              <a:t>作成 </a:t>
+              <a:t>の作成 </a:t>
             </a:r>
             <a:r>
               <a:rPr lang="en-US" altLang="ja-JP" dirty="0" smtClean="0"/>
-              <a:t>- (</a:t>
-            </a:r>
-            <a:r>
-              <a:rPr lang="en-US" altLang="ja-JP" dirty="0" smtClean="0"/>
-              <a:t>1</a:t>
-            </a:r>
-            <a:r>
-              <a:rPr lang="en-US" altLang="ja-JP" dirty="0" smtClean="0"/>
-              <a:t>)</a:t>
+              <a:t>- (1)</a:t>
             </a:r>
             <a:r>
               <a:rPr kumimoji="1" lang="ja-JP" altLang="en-US" dirty="0" smtClean="0"/>
-              <a:t>テキストデータ</a:t>
-            </a:r>
-            <a:r>
-              <a:rPr kumimoji="1" lang="ja-JP" altLang="en-US" dirty="0" smtClean="0"/>
-              <a:t>を単語リストに変換</a:t>
+              <a:t>テキストデータを単語リストに変換</a:t>
             </a:r>
             <a:endParaRPr kumimoji="1" lang="ja-JP" altLang="en-US" dirty="0"/>
           </a:p>
@@ -22551,23 +22535,11 @@
             </a:r>
             <a:r>
               <a:rPr lang="en-US" altLang="ja-JP" dirty="0" smtClean="0"/>
-              <a:t>- (</a:t>
-            </a:r>
-            <a:r>
-              <a:rPr lang="en-US" altLang="ja-JP" dirty="0" smtClean="0"/>
-              <a:t>2</a:t>
-            </a:r>
-            <a:r>
-              <a:rPr lang="en-US" altLang="ja-JP" dirty="0" smtClean="0"/>
-              <a:t>)</a:t>
+              <a:t>- (2)</a:t>
             </a:r>
             <a:r>
               <a:rPr kumimoji="1" lang="ja-JP" altLang="en-US" dirty="0" smtClean="0"/>
-              <a:t>単語</a:t>
-            </a:r>
-            <a:r>
-              <a:rPr kumimoji="1" lang="ja-JP" altLang="en-US" dirty="0" smtClean="0"/>
-              <a:t>リストを</a:t>
+              <a:t>単語リストを</a:t>
             </a:r>
             <a:r>
               <a:rPr kumimoji="1" lang="en-US" altLang="ja-JP" dirty="0" smtClean="0"/>
@@ -46406,7 +46378,11 @@
           <a:p>
             <a:r>
               <a:rPr lang="ja-JP" altLang="en-US" dirty="0" smtClean="0"/>
-              <a:t>実際の処理結果</a:t>
+              <a:t>処理</a:t>
+            </a:r>
+            <a:r>
+              <a:rPr lang="ja-JP" altLang="en-US" dirty="0" smtClean="0"/>
+              <a:t>結果</a:t>
             </a:r>
             <a:endParaRPr kumimoji="1" lang="ja-JP" altLang="en-US" dirty="0"/>
           </a:p>

--- a/word2vecの紹介.pptx
+++ b/word2vecの紹介.pptx
@@ -5,10 +5,10 @@
     <p:sldMasterId id="2147483648" r:id="rId1"/>
   </p:sldMasterIdLst>
   <p:notesMasterIdLst>
-    <p:notesMasterId r:id="rId19"/>
+    <p:notesMasterId r:id="rId20"/>
   </p:notesMasterIdLst>
   <p:handoutMasterIdLst>
-    <p:handoutMasterId r:id="rId20"/>
+    <p:handoutMasterId r:id="rId21"/>
   </p:handoutMasterIdLst>
   <p:sldIdLst>
     <p:sldId id="256" r:id="rId2"/>
@@ -27,12 +27,13 @@
     <p:sldId id="283" r:id="rId15"/>
     <p:sldId id="284" r:id="rId16"/>
     <p:sldId id="285" r:id="rId17"/>
-    <p:sldId id="275" r:id="rId18"/>
+    <p:sldId id="286" r:id="rId18"/>
+    <p:sldId id="275" r:id="rId19"/>
   </p:sldIdLst>
   <p:sldSz cx="12192000" cy="6858000"/>
   <p:notesSz cx="6858000" cy="9144000"/>
   <p:custDataLst>
-    <p:tags r:id="rId21"/>
+    <p:tags r:id="rId22"/>
   </p:custDataLst>
   <p:defaultTextStyle>
     <a:defPPr>
@@ -382,7 +383,7 @@
           <a:p>
             <a:fld id="{5D375B9F-FD06-40FF-976E-D5DB3DC1F3C4}" type="datetimeFigureOut">
               <a:rPr kumimoji="1" lang="ja-JP" altLang="en-US" smtClean="0"/>
-              <a:t>2019/12/4</a:t>
+              <a:t>2019/12/10</a:t>
             </a:fld>
             <a:endParaRPr kumimoji="1" lang="ja-JP" altLang="en-US"/>
           </a:p>
@@ -1397,6 +1398,175 @@
       </p:grpSpPr>
       <p:sp>
         <p:nvSpPr>
+          <p:cNvPr id="2" name="スライド イメージ プレースホルダー 1"/>
+          <p:cNvSpPr>
+            <a:spLocks noGrp="1" noRot="1" noChangeAspect="1"/>
+          </p:cNvSpPr>
+          <p:nvPr>
+            <p:ph type="sldImg"/>
+          </p:nvPr>
+        </p:nvSpPr>
+        <p:spPr/>
+      </p:sp>
+      <p:sp>
+        <p:nvSpPr>
+          <p:cNvPr id="3" name="ノート プレースホルダー 2"/>
+          <p:cNvSpPr>
+            <a:spLocks noGrp="1"/>
+          </p:cNvSpPr>
+          <p:nvPr>
+            <p:ph type="body" idx="1"/>
+          </p:nvPr>
+        </p:nvSpPr>
+        <p:spPr/>
+        <p:txBody>
+          <a:bodyPr/>
+          <a:lstStyle/>
+          <a:p>
+            <a:r>
+              <a:rPr kumimoji="1" lang="ja-JP" altLang="en-US" dirty="0" smtClean="0"/>
+              <a:t>本家</a:t>
+            </a:r>
+            <a:r>
+              <a:rPr kumimoji="1" lang="en-US" altLang="ja-JP" dirty="0" smtClean="0"/>
+              <a:t>word2vec</a:t>
+            </a:r>
+            <a:r>
+              <a:rPr kumimoji="1" lang="ja-JP" altLang="en-US" dirty="0" smtClean="0"/>
+              <a:t>に比べると、以下のような点で劣っている。</a:t>
+            </a:r>
+            <a:endParaRPr kumimoji="1" lang="en-US" altLang="ja-JP" dirty="0" smtClean="0"/>
+          </a:p>
+          <a:p>
+            <a:r>
+              <a:rPr kumimoji="1" lang="ja-JP" altLang="en-US" dirty="0" smtClean="0"/>
+              <a:t>・単語ベクトルのサイズが小さい</a:t>
+            </a:r>
+            <a:r>
+              <a:rPr kumimoji="1" lang="en-US" altLang="ja-JP" dirty="0" smtClean="0"/>
+              <a:t>(200</a:t>
+            </a:r>
+            <a:r>
+              <a:rPr kumimoji="1" lang="ja-JP" altLang="en-US" dirty="0" smtClean="0"/>
+              <a:t>→</a:t>
+            </a:r>
+            <a:r>
+              <a:rPr kumimoji="1" lang="en-US" altLang="ja-JP" dirty="0" smtClean="0"/>
+              <a:t>20)</a:t>
+            </a:r>
+          </a:p>
+          <a:p>
+            <a:r>
+              <a:rPr kumimoji="1" lang="ja-JP" altLang="en-US" dirty="0" smtClean="0"/>
+              <a:t>・ウィンドウサイズが小さい</a:t>
+            </a:r>
+            <a:r>
+              <a:rPr kumimoji="1" lang="en-US" altLang="ja-JP" dirty="0" smtClean="0"/>
+              <a:t>(5</a:t>
+            </a:r>
+            <a:r>
+              <a:rPr kumimoji="1" lang="ja-JP" altLang="en-US" dirty="0" smtClean="0"/>
+              <a:t>→</a:t>
+            </a:r>
+            <a:r>
+              <a:rPr kumimoji="1" lang="en-US" altLang="ja-JP" dirty="0" smtClean="0"/>
+              <a:t>1)</a:t>
+            </a:r>
+          </a:p>
+          <a:p>
+            <a:r>
+              <a:rPr kumimoji="1" lang="ja-JP" altLang="en-US" dirty="0" smtClean="0"/>
+              <a:t>・テキストデータが小さい</a:t>
+            </a:r>
+            <a:r>
+              <a:rPr kumimoji="1" lang="en-US" altLang="ja-JP" dirty="0" smtClean="0"/>
+              <a:t>(?</a:t>
+            </a:r>
+            <a:r>
+              <a:rPr kumimoji="1" lang="ja-JP" altLang="en-US" dirty="0" smtClean="0"/>
+              <a:t>→</a:t>
+            </a:r>
+            <a:r>
+              <a:rPr kumimoji="1" lang="en-US" altLang="ja-JP" dirty="0" smtClean="0"/>
+              <a:t>40000</a:t>
+            </a:r>
+            <a:r>
+              <a:rPr kumimoji="1" lang="ja-JP" altLang="en-US" dirty="0" smtClean="0"/>
+              <a:t>語</a:t>
+            </a:r>
+            <a:r>
+              <a:rPr kumimoji="1" lang="en-US" altLang="ja-JP" dirty="0" smtClean="0"/>
+              <a:t>)</a:t>
+            </a:r>
+          </a:p>
+          <a:p>
+            <a:endParaRPr kumimoji="1" lang="en-US" altLang="ja-JP" dirty="0" smtClean="0"/>
+          </a:p>
+          <a:p>
+            <a:endParaRPr kumimoji="1" lang="ja-JP" altLang="en-US" dirty="0"/>
+          </a:p>
+        </p:txBody>
+      </p:sp>
+      <p:sp>
+        <p:nvSpPr>
+          <p:cNvPr id="4" name="スライド番号プレースホルダー 3"/>
+          <p:cNvSpPr>
+            <a:spLocks noGrp="1"/>
+          </p:cNvSpPr>
+          <p:nvPr>
+            <p:ph type="sldNum" sz="quarter" idx="10"/>
+          </p:nvPr>
+        </p:nvSpPr>
+        <p:spPr/>
+        <p:txBody>
+          <a:bodyPr/>
+          <a:lstStyle/>
+          <a:p>
+            <a:r>
+              <a:rPr lang="en-US" smtClean="0"/>
+              <a:t>Page </a:t>
+            </a:r>
+            <a:fld id="{A337C84A-B492-418D-83EE-970573EF9CB3}" type="slidenum">
+              <a:rPr lang="en-US" smtClean="0"/>
+              <a:pPr/>
+              <a:t>17</a:t>
+            </a:fld>
+            <a:endParaRPr lang="en-US" dirty="0"/>
+          </a:p>
+        </p:txBody>
+      </p:sp>
+    </p:spTree>
+    <p:extLst>
+      <p:ext uri="{BB962C8B-B14F-4D97-AF65-F5344CB8AC3E}">
+        <p14:creationId xmlns:p14="http://schemas.microsoft.com/office/powerpoint/2010/main" val="4069870731"/>
+      </p:ext>
+    </p:extLst>
+  </p:cSld>
+  <p:clrMapOvr>
+    <a:masterClrMapping/>
+  </p:clrMapOvr>
+</p:notes>
+</file>
+
+<file path=ppt/notesSlides/notesSlide16.xml><?xml version="1.0" encoding="utf-8"?>
+<p:notes xmlns:a="http://schemas.openxmlformats.org/drawingml/2006/main" xmlns:r="http://schemas.openxmlformats.org/officeDocument/2006/relationships" xmlns:p="http://schemas.openxmlformats.org/presentationml/2006/main">
+  <p:cSld>
+    <p:spTree>
+      <p:nvGrpSpPr>
+        <p:cNvPr id="1" name=""/>
+        <p:cNvGrpSpPr/>
+        <p:nvPr/>
+      </p:nvGrpSpPr>
+      <p:grpSpPr>
+        <a:xfrm>
+          <a:off x="0" y="0"/>
+          <a:ext cx="0" cy="0"/>
+          <a:chOff x="0" y="0"/>
+          <a:chExt cx="0" cy="0"/>
+        </a:xfrm>
+      </p:grpSpPr>
+      <p:sp>
+        <p:nvSpPr>
           <p:cNvPr id="2" name="Folienbildplatzhalter 1"/>
           <p:cNvSpPr>
             <a:spLocks noGrp="1" noRot="1" noChangeAspect="1"/>
@@ -1448,7 +1618,7 @@
             <a:fld id="{A337C84A-B492-418D-83EE-970573EF9CB3}" type="slidenum">
               <a:rPr lang="en-US" smtClean="0"/>
               <a:pPr/>
-              <a:t>17</a:t>
+              <a:t>18</a:t>
             </a:fld>
             <a:endParaRPr lang="en-US" dirty="0"/>
           </a:p>
@@ -1777,13 +1947,6 @@
         <p:txBody>
           <a:bodyPr/>
           <a:lstStyle/>
-          <a:p>
-            <a:r>
-              <a:rPr kumimoji="1" lang="ja-JP" altLang="en-US" dirty="0" smtClean="0"/>
-              <a:t>うまく説明できない。ネット検索してもうまく説明できているものは見つけられなかった。</a:t>
-            </a:r>
-            <a:endParaRPr kumimoji="1" lang="en-US" altLang="ja-JP" dirty="0" smtClean="0"/>
-          </a:p>
           <a:p>
             <a:endParaRPr kumimoji="1" lang="en-US" altLang="ja-JP" dirty="0" smtClean="0"/>
           </a:p>
@@ -16975,7 +17138,7 @@
           <a:graphicData uri="http://schemas.openxmlformats.org/presentationml/2006/ole">
             <mc:AlternateContent xmlns:mc="http://schemas.openxmlformats.org/markup-compatibility/2006">
               <mc:Choice xmlns:v="urn:schemas-microsoft-com:vml" Requires="v">
-                <p:oleObj spid="_x0000_s1212" name="think-cell Folie" r:id="rId5" imgW="344" imgH="345" progId="TCLayout.ActiveDocument.1">
+                <p:oleObj spid="_x0000_s1216" name="think-cell Folie" r:id="rId5" imgW="344" imgH="345" progId="TCLayout.ActiveDocument.1">
                   <p:embed/>
                 </p:oleObj>
               </mc:Choice>
@@ -17421,7 +17584,7 @@
           <a:graphicData uri="http://schemas.openxmlformats.org/presentationml/2006/ole">
             <mc:AlternateContent xmlns:mc="http://schemas.openxmlformats.org/markup-compatibility/2006">
               <mc:Choice xmlns:v="urn:schemas-microsoft-com:vml" Requires="v">
-                <p:oleObj spid="_x0000_s3260" name="think-cell Folie" r:id="rId5" imgW="344" imgH="345" progId="TCLayout.ActiveDocument.1">
+                <p:oleObj spid="_x0000_s3264" name="think-cell Folie" r:id="rId5" imgW="344" imgH="345" progId="TCLayout.ActiveDocument.1">
                   <p:embed/>
                 </p:oleObj>
               </mc:Choice>
@@ -17826,7 +17989,7 @@
           <a:graphicData uri="http://schemas.openxmlformats.org/presentationml/2006/ole">
             <mc:AlternateContent xmlns:mc="http://schemas.openxmlformats.org/markup-compatibility/2006">
               <mc:Choice xmlns:v="urn:schemas-microsoft-com:vml" Requires="v">
-                <p:oleObj spid="_x0000_s4284" name="think-cell Folie" r:id="rId5" imgW="344" imgH="345" progId="TCLayout.ActiveDocument.1">
+                <p:oleObj spid="_x0000_s4288" name="think-cell Folie" r:id="rId5" imgW="344" imgH="345" progId="TCLayout.ActiveDocument.1">
                   <p:embed/>
                 </p:oleObj>
               </mc:Choice>
@@ -18448,7 +18611,7 @@
           <a:graphicData uri="http://schemas.openxmlformats.org/presentationml/2006/ole">
             <mc:AlternateContent xmlns:mc="http://schemas.openxmlformats.org/markup-compatibility/2006">
               <mc:Choice xmlns:v="urn:schemas-microsoft-com:vml" Requires="v">
-                <p:oleObj spid="_x0000_s5308" name="think-cell Folie" r:id="rId5" imgW="344" imgH="345" progId="TCLayout.ActiveDocument.1">
+                <p:oleObj spid="_x0000_s5312" name="think-cell Folie" r:id="rId5" imgW="344" imgH="345" progId="TCLayout.ActiveDocument.1">
                   <p:embed/>
                 </p:oleObj>
               </mc:Choice>
@@ -19002,7 +19165,7 @@
           <a:graphicData uri="http://schemas.openxmlformats.org/presentationml/2006/ole">
             <mc:AlternateContent xmlns:mc="http://schemas.openxmlformats.org/markup-compatibility/2006">
               <mc:Choice xmlns:v="urn:schemas-microsoft-com:vml" Requires="v">
-                <p:oleObj spid="_x0000_s6332" name="think-cell Folie" r:id="rId5" imgW="344" imgH="345" progId="TCLayout.ActiveDocument.1">
+                <p:oleObj spid="_x0000_s6336" name="think-cell Folie" r:id="rId5" imgW="344" imgH="345" progId="TCLayout.ActiveDocument.1">
                   <p:embed/>
                 </p:oleObj>
               </mc:Choice>
@@ -27450,8 +27613,8 @@
         </p:nvSpPr>
         <p:spPr>
           <a:xfrm>
-            <a:off x="1267401" y="2167035"/>
-            <a:ext cx="1367452" cy="2422120"/>
+            <a:off x="1268288" y="2290861"/>
+            <a:ext cx="1366565" cy="2422120"/>
           </a:xfrm>
           <a:custGeom>
             <a:avLst/>
@@ -27516,6 +27679,26 @@
               <a:gd name="connsiteY3" fmla="*/ 587958 h 2404913"/>
               <a:gd name="connsiteX4" fmla="*/ 37 w 1375657"/>
               <a:gd name="connsiteY4" fmla="*/ 0 h 2404913"/>
+              <a:gd name="connsiteX0" fmla="*/ 60 w 1370888"/>
+              <a:gd name="connsiteY0" fmla="*/ 0 h 2281968"/>
+              <a:gd name="connsiteX1" fmla="*/ 5705 w 1370888"/>
+              <a:gd name="connsiteY1" fmla="*/ 2281968 h 2281968"/>
+              <a:gd name="connsiteX2" fmla="*/ 1370888 w 1370888"/>
+              <a:gd name="connsiteY2" fmla="*/ 2060620 h 2281968"/>
+              <a:gd name="connsiteX3" fmla="*/ 1366097 w 1370888"/>
+              <a:gd name="connsiteY3" fmla="*/ 465013 h 2281968"/>
+              <a:gd name="connsiteX4" fmla="*/ 60 w 1370888"/>
+              <a:gd name="connsiteY4" fmla="*/ 0 h 2281968"/>
+              <a:gd name="connsiteX0" fmla="*/ 3937 w 1374765"/>
+              <a:gd name="connsiteY0" fmla="*/ 0 h 2404913"/>
+              <a:gd name="connsiteX1" fmla="*/ 0 w 1374765"/>
+              <a:gd name="connsiteY1" fmla="*/ 2404913 h 2404913"/>
+              <a:gd name="connsiteX2" fmla="*/ 1374765 w 1374765"/>
+              <a:gd name="connsiteY2" fmla="*/ 2060620 h 2404913"/>
+              <a:gd name="connsiteX3" fmla="*/ 1369974 w 1374765"/>
+              <a:gd name="connsiteY3" fmla="*/ 465013 h 2404913"/>
+              <a:gd name="connsiteX4" fmla="*/ 3937 w 1374765"/>
+              <a:gd name="connsiteY4" fmla="*/ 0 h 2404913"/>
             </a:gdLst>
             <a:ahLst/>
             <a:cxnLst>
@@ -27537,24 +27720,26 @@
             </a:cxnLst>
             <a:rect l="l" t="t" r="r" b="b"/>
             <a:pathLst>
-              <a:path w="1375657" h="2404913">
+              <a:path w="1374765" h="2404913">
                 <a:moveTo>
-                  <a:pt x="37" y="0"/>
+                  <a:pt x="3937" y="0"/>
                 </a:moveTo>
                 <a:cubicBezTo>
-                  <a:pt x="-743" y="720725"/>
-                  <a:pt x="11254" y="1684188"/>
-                  <a:pt x="10474" y="2404913"/>
+                  <a:pt x="3157" y="720725"/>
+                  <a:pt x="780" y="1684188"/>
+                  <a:pt x="0" y="2404913"/>
                 </a:cubicBezTo>
                 <a:lnTo>
-                  <a:pt x="1375657" y="2183565"/>
+                  <a:pt x="1374765" y="2060620"/>
                 </a:lnTo>
                 <a:lnTo>
-                  <a:pt x="1370866" y="587958"/>
+                  <a:pt x="1369974" y="465013"/>
                 </a:lnTo>
-                <a:lnTo>
-                  <a:pt x="37" y="0"/>
-                </a:lnTo>
+                <a:cubicBezTo>
+                  <a:pt x="913031" y="269027"/>
+                  <a:pt x="460880" y="195986"/>
+                  <a:pt x="3937" y="0"/>
+                </a:cubicBezTo>
                 <a:close/>
               </a:path>
             </a:pathLst>
@@ -46283,12 +46468,8 @@
           <a:lstStyle/>
           <a:p>
             <a:r>
-              <a:rPr lang="ja-JP" altLang="en-US" dirty="0"/>
-              <a:t>実際</a:t>
-            </a:r>
-            <a:r>
               <a:rPr lang="ja-JP" altLang="en-US" dirty="0" smtClean="0"/>
-              <a:t>の処理結果</a:t>
+              <a:t>実装、処理の結果</a:t>
             </a:r>
             <a:endParaRPr lang="en-US" altLang="ja-JP" dirty="0"/>
           </a:p>
@@ -46377,14 +46558,18 @@
           <a:lstStyle/>
           <a:p>
             <a:r>
-              <a:rPr lang="ja-JP" altLang="en-US" dirty="0" smtClean="0"/>
-              <a:t>処理</a:t>
+              <a:rPr lang="ja-JP" altLang="en-US" dirty="0"/>
+              <a:t>実装、処理の</a:t>
             </a:r>
             <a:r>
               <a:rPr lang="ja-JP" altLang="en-US" dirty="0" smtClean="0"/>
               <a:t>結果</a:t>
             </a:r>
-            <a:endParaRPr kumimoji="1" lang="ja-JP" altLang="en-US" dirty="0"/>
+            <a:r>
+              <a:rPr lang="en-US" altLang="ja-JP" dirty="0" smtClean="0"/>
+              <a:t>(1)</a:t>
+            </a:r>
+            <a:endParaRPr lang="en-US" altLang="ja-JP" dirty="0"/>
           </a:p>
         </p:txBody>
       </p:sp>
@@ -46437,6 +46622,518 @@
           </a:p>
         </p:txBody>
       </p:sp>
+      <p:sp>
+        <p:nvSpPr>
+          <p:cNvPr id="6" name="テキスト プレースホルダー 2"/>
+          <p:cNvSpPr>
+            <a:spLocks noGrp="1"/>
+          </p:cNvSpPr>
+          <p:nvPr>
+            <p:ph type="body" sz="quarter" idx="13"/>
+          </p:nvPr>
+        </p:nvSpPr>
+        <p:spPr>
+          <a:xfrm>
+            <a:off x="399031" y="1052736"/>
+            <a:ext cx="11376025" cy="4870220"/>
+          </a:xfrm>
+        </p:spPr>
+        <p:txBody>
+          <a:bodyPr/>
+          <a:lstStyle/>
+          <a:p>
+            <a:pPr lvl="3"/>
+            <a:r>
+              <a:rPr lang="en-US" altLang="ja-JP" sz="1600" b="0" dirty="0" smtClean="0">
+                <a:latin typeface="+mj-ea"/>
+                <a:ea typeface="+mj-ea"/>
+              </a:rPr>
+              <a:t>1. </a:t>
+            </a:r>
+            <a:r>
+              <a:rPr lang="ja-JP" altLang="en-US" sz="1600" b="0" dirty="0" smtClean="0">
+                <a:latin typeface="+mj-ea"/>
+                <a:ea typeface="+mj-ea"/>
+              </a:rPr>
+              <a:t>入力データの準備</a:t>
+            </a:r>
+            <a:endParaRPr lang="en-US" altLang="ja-JP" sz="1600" b="0" dirty="0" smtClean="0">
+              <a:latin typeface="+mj-ea"/>
+              <a:ea typeface="+mj-ea"/>
+            </a:endParaRPr>
+          </a:p>
+          <a:p>
+            <a:pPr lvl="3"/>
+            <a:r>
+              <a:rPr lang="ja-JP" altLang="en-US" sz="1600" b="0" dirty="0">
+                <a:latin typeface="+mj-ea"/>
+                <a:ea typeface="+mj-ea"/>
+              </a:rPr>
+              <a:t>　</a:t>
+            </a:r>
+            <a:r>
+              <a:rPr lang="ja-JP" altLang="en-US" sz="1600" b="0" dirty="0" smtClean="0">
+                <a:latin typeface="+mj-ea"/>
+                <a:ea typeface="+mj-ea"/>
+              </a:rPr>
+              <a:t>今回は以下のテキストデータを使用した。</a:t>
+            </a:r>
+            <a:endParaRPr lang="en-US" altLang="ja-JP" sz="1600" b="0" dirty="0" smtClean="0">
+              <a:latin typeface="+mj-ea"/>
+              <a:ea typeface="+mj-ea"/>
+            </a:endParaRPr>
+          </a:p>
+          <a:p>
+            <a:pPr lvl="3"/>
+            <a:r>
+              <a:rPr lang="ja-JP" altLang="en-US" sz="1600" b="0" dirty="0" smtClean="0">
+                <a:latin typeface="+mj-ea"/>
+                <a:ea typeface="+mj-ea"/>
+              </a:rPr>
+              <a:t>　</a:t>
+            </a:r>
+            <a:r>
+              <a:rPr lang="en-US" altLang="ja-JP" sz="1600" b="0" dirty="0" smtClean="0">
+                <a:latin typeface="+mj-ea"/>
+                <a:ea typeface="+mj-ea"/>
+              </a:rPr>
+              <a:t>“Alice's </a:t>
+            </a:r>
+            <a:r>
+              <a:rPr lang="en-US" altLang="ja-JP" sz="1600" b="0" dirty="0">
+                <a:latin typeface="+mj-ea"/>
+                <a:ea typeface="+mj-ea"/>
+              </a:rPr>
+              <a:t>Adventures in </a:t>
+            </a:r>
+            <a:r>
+              <a:rPr lang="en-US" altLang="ja-JP" sz="1600" b="0" dirty="0" smtClean="0">
+                <a:latin typeface="+mj-ea"/>
+                <a:ea typeface="+mj-ea"/>
+              </a:rPr>
+              <a:t>Wonderland” (</a:t>
+            </a:r>
+            <a:r>
+              <a:rPr lang="en-US" altLang="ja-JP" sz="1600" b="0" dirty="0" smtClean="0">
+                <a:latin typeface="+mj-ea"/>
+                <a:ea typeface="+mj-ea"/>
+                <a:hlinkClick r:id="rId4"/>
+              </a:rPr>
+              <a:t>http</a:t>
+            </a:r>
+            <a:r>
+              <a:rPr lang="en-US" altLang="ja-JP" sz="1600" b="0" dirty="0">
+                <a:latin typeface="+mj-ea"/>
+                <a:ea typeface="+mj-ea"/>
+                <a:hlinkClick r:id="rId4"/>
+              </a:rPr>
+              <a:t>://</a:t>
+            </a:r>
+            <a:r>
+              <a:rPr lang="en-US" altLang="ja-JP" sz="1600" b="0" dirty="0" smtClean="0">
+                <a:latin typeface="+mj-ea"/>
+                <a:ea typeface="+mj-ea"/>
+                <a:hlinkClick r:id="rId4"/>
+              </a:rPr>
+              <a:t>www.gutenberg.org/files/11/11-0.txt</a:t>
+            </a:r>
+            <a:r>
+              <a:rPr lang="en-US" altLang="ja-JP" sz="1600" b="0" dirty="0" smtClean="0">
+                <a:latin typeface="+mj-ea"/>
+                <a:ea typeface="+mj-ea"/>
+              </a:rPr>
+              <a:t>)</a:t>
+            </a:r>
+          </a:p>
+          <a:p>
+            <a:pPr lvl="3"/>
+            <a:r>
+              <a:rPr lang="ja-JP" altLang="en-US" sz="1600" b="0" dirty="0">
+                <a:latin typeface="+mj-ea"/>
+                <a:ea typeface="+mj-ea"/>
+              </a:rPr>
+              <a:t>　</a:t>
+            </a:r>
+            <a:r>
+              <a:rPr lang="en-US" altLang="ja-JP" sz="1600" b="0" dirty="0" smtClean="0">
+                <a:latin typeface="+mj-ea"/>
+                <a:ea typeface="+mj-ea"/>
+              </a:rPr>
+              <a:t>(</a:t>
+            </a:r>
+            <a:r>
+              <a:rPr lang="ja-JP" altLang="en-US" sz="1600" b="0" dirty="0" smtClean="0">
+                <a:latin typeface="+mj-ea"/>
+                <a:ea typeface="+mj-ea"/>
+              </a:rPr>
+              <a:t>単語数 </a:t>
+            </a:r>
+            <a:r>
+              <a:rPr lang="en-US" altLang="ja-JP" sz="1600" b="0" dirty="0" smtClean="0">
+                <a:latin typeface="+mj-ea"/>
+                <a:ea typeface="+mj-ea"/>
+              </a:rPr>
+              <a:t>= 38,972</a:t>
+            </a:r>
+            <a:r>
+              <a:rPr lang="ja-JP" altLang="en-US" sz="1600" b="0" dirty="0" err="1" smtClean="0">
+                <a:latin typeface="+mj-ea"/>
+                <a:ea typeface="+mj-ea"/>
+              </a:rPr>
+              <a:t>、</a:t>
+            </a:r>
+            <a:r>
+              <a:rPr lang="ja-JP" altLang="en-US" sz="1600" b="0" dirty="0" smtClean="0">
+                <a:latin typeface="+mj-ea"/>
+                <a:ea typeface="+mj-ea"/>
+              </a:rPr>
+              <a:t>単語の種類数 </a:t>
+            </a:r>
+            <a:r>
+              <a:rPr lang="en-US" altLang="ja-JP" sz="1600" b="0" dirty="0" smtClean="0">
+                <a:latin typeface="+mj-ea"/>
+                <a:ea typeface="+mj-ea"/>
+              </a:rPr>
+              <a:t>= 3,110)</a:t>
+            </a:r>
+          </a:p>
+          <a:p>
+            <a:pPr lvl="3"/>
+            <a:r>
+              <a:rPr lang="en-US" altLang="ja-JP" sz="1600" b="0" dirty="0" smtClean="0">
+                <a:latin typeface="+mj-ea"/>
+                <a:ea typeface="+mj-ea"/>
+              </a:rPr>
+              <a:t>2. </a:t>
+            </a:r>
+            <a:r>
+              <a:rPr lang="ja-JP" altLang="en-US" sz="1600" b="0" dirty="0" smtClean="0">
+                <a:latin typeface="+mj-ea"/>
+                <a:ea typeface="+mj-ea"/>
+              </a:rPr>
+              <a:t>単語</a:t>
+            </a:r>
+            <a:r>
+              <a:rPr lang="ja-JP" altLang="en-US" sz="1600" b="0" dirty="0">
+                <a:latin typeface="+mj-ea"/>
+                <a:ea typeface="+mj-ea"/>
+              </a:rPr>
+              <a:t>ベクトル</a:t>
+            </a:r>
+            <a:r>
+              <a:rPr lang="ja-JP" altLang="en-US" sz="1600" b="0" dirty="0" smtClean="0">
+                <a:latin typeface="+mj-ea"/>
+                <a:ea typeface="+mj-ea"/>
+              </a:rPr>
+              <a:t>の次元数を決める</a:t>
+            </a:r>
+            <a:endParaRPr lang="en-US" altLang="ja-JP" sz="1600" b="0" dirty="0" smtClean="0">
+              <a:latin typeface="+mj-ea"/>
+              <a:ea typeface="+mj-ea"/>
+            </a:endParaRPr>
+          </a:p>
+          <a:p>
+            <a:pPr lvl="3"/>
+            <a:r>
+              <a:rPr lang="ja-JP" altLang="en-US" sz="1600" b="0" dirty="0" smtClean="0">
+                <a:latin typeface="+mj-ea"/>
+                <a:ea typeface="+mj-ea"/>
+              </a:rPr>
+              <a:t>　本家</a:t>
+            </a:r>
+            <a:r>
+              <a:rPr lang="en-US" altLang="ja-JP" sz="1600" b="0" dirty="0" smtClean="0">
+                <a:latin typeface="+mj-ea"/>
+                <a:ea typeface="+mj-ea"/>
+              </a:rPr>
+              <a:t>word2vec</a:t>
+            </a:r>
+            <a:r>
+              <a:rPr lang="ja-JP" altLang="en-US" sz="1600" b="0" dirty="0" smtClean="0">
+                <a:latin typeface="+mj-ea"/>
+                <a:ea typeface="+mj-ea"/>
+              </a:rPr>
+              <a:t>は</a:t>
+            </a:r>
+            <a:r>
+              <a:rPr lang="en-US" altLang="ja-JP" sz="1600" b="0" dirty="0" smtClean="0">
+                <a:latin typeface="+mj-ea"/>
+                <a:ea typeface="+mj-ea"/>
+              </a:rPr>
+              <a:t>200</a:t>
+            </a:r>
+            <a:r>
+              <a:rPr lang="ja-JP" altLang="en-US" sz="1600" b="0" dirty="0" smtClean="0">
+                <a:latin typeface="+mj-ea"/>
+                <a:ea typeface="+mj-ea"/>
+              </a:rPr>
+              <a:t>次元とのことだが、今回は</a:t>
+            </a:r>
+            <a:r>
+              <a:rPr lang="en-US" altLang="ja-JP" sz="1600" b="0" dirty="0" smtClean="0">
+                <a:latin typeface="+mj-ea"/>
+                <a:ea typeface="+mj-ea"/>
+              </a:rPr>
+              <a:t>20</a:t>
+            </a:r>
+            <a:r>
+              <a:rPr lang="ja-JP" altLang="en-US" sz="1600" b="0" dirty="0" smtClean="0">
+                <a:latin typeface="+mj-ea"/>
+                <a:ea typeface="+mj-ea"/>
+              </a:rPr>
+              <a:t>次元としてみた。</a:t>
+            </a:r>
+            <a:endParaRPr lang="en-US" altLang="ja-JP" sz="1600" b="0" dirty="0" smtClean="0">
+              <a:latin typeface="+mj-ea"/>
+              <a:ea typeface="+mj-ea"/>
+            </a:endParaRPr>
+          </a:p>
+          <a:p>
+            <a:pPr lvl="3"/>
+            <a:r>
+              <a:rPr lang="en-US" altLang="ja-JP" sz="1600" b="0" dirty="0">
+                <a:latin typeface="+mj-ea"/>
+                <a:ea typeface="+mj-ea"/>
+              </a:rPr>
+              <a:t>3. “</a:t>
+            </a:r>
+            <a:r>
+              <a:rPr lang="ja-JP" altLang="en-US" sz="1600" b="0" dirty="0">
+                <a:latin typeface="+mj-ea"/>
+                <a:ea typeface="+mj-ea"/>
+              </a:rPr>
+              <a:t>ウィンドウサイズ”を決める</a:t>
+            </a:r>
+          </a:p>
+          <a:p>
+            <a:pPr lvl="3"/>
+            <a:r>
+              <a:rPr lang="ja-JP" altLang="en-US" sz="1600" b="0" dirty="0">
+                <a:latin typeface="+mj-ea"/>
+                <a:ea typeface="+mj-ea"/>
+              </a:rPr>
+              <a:t>　本家の</a:t>
+            </a:r>
+            <a:r>
+              <a:rPr lang="en-US" altLang="ja-JP" sz="1600" b="0" dirty="0">
+                <a:latin typeface="+mj-ea"/>
+                <a:ea typeface="+mj-ea"/>
+              </a:rPr>
+              <a:t>word2vec</a:t>
+            </a:r>
+            <a:r>
+              <a:rPr lang="ja-JP" altLang="en-US" sz="1600" b="0" dirty="0">
+                <a:latin typeface="+mj-ea"/>
+                <a:ea typeface="+mj-ea"/>
+              </a:rPr>
+              <a:t>はデフォルトが</a:t>
+            </a:r>
+            <a:r>
+              <a:rPr lang="en-US" altLang="ja-JP" sz="1600" b="0" dirty="0">
+                <a:latin typeface="+mj-ea"/>
+                <a:ea typeface="+mj-ea"/>
+              </a:rPr>
+              <a:t>5</a:t>
+            </a:r>
+            <a:r>
+              <a:rPr lang="ja-JP" altLang="en-US" sz="1600" b="0" dirty="0" smtClean="0">
+                <a:latin typeface="+mj-ea"/>
+                <a:ea typeface="+mj-ea"/>
+              </a:rPr>
+              <a:t>とのだが、今回は実装を単純にするため、</a:t>
+            </a:r>
+            <a:r>
+              <a:rPr lang="en-US" altLang="ja-JP" sz="1600" b="0" dirty="0" smtClean="0">
+                <a:latin typeface="+mj-ea"/>
+                <a:ea typeface="+mj-ea"/>
+              </a:rPr>
+              <a:t>1</a:t>
+            </a:r>
+            <a:r>
+              <a:rPr lang="ja-JP" altLang="en-US" sz="1600" b="0" dirty="0" smtClean="0">
+                <a:latin typeface="+mj-ea"/>
+                <a:ea typeface="+mj-ea"/>
+              </a:rPr>
+              <a:t>とした。</a:t>
+            </a:r>
+            <a:endParaRPr lang="en-US" altLang="ja-JP" sz="1600" b="0" dirty="0" smtClean="0">
+              <a:latin typeface="+mj-ea"/>
+              <a:ea typeface="+mj-ea"/>
+            </a:endParaRPr>
+          </a:p>
+          <a:p>
+            <a:pPr lvl="3"/>
+            <a:r>
+              <a:rPr lang="en-US" altLang="ja-JP" sz="1600" b="0" dirty="0" smtClean="0">
+                <a:latin typeface="+mj-ea"/>
+                <a:ea typeface="+mj-ea"/>
+              </a:rPr>
+              <a:t>4. </a:t>
+            </a:r>
+            <a:r>
+              <a:rPr lang="ja-JP" altLang="en-US" sz="1600" b="0" dirty="0" smtClean="0">
+                <a:latin typeface="+mj-ea"/>
+                <a:ea typeface="+mj-ea"/>
+              </a:rPr>
+              <a:t>学習データの作成</a:t>
+            </a:r>
+            <a:endParaRPr lang="en-US" altLang="ja-JP" sz="1600" b="0" dirty="0" smtClean="0">
+              <a:latin typeface="+mj-ea"/>
+              <a:ea typeface="+mj-ea"/>
+            </a:endParaRPr>
+          </a:p>
+          <a:p>
+            <a:pPr lvl="3"/>
+            <a:r>
+              <a:rPr lang="en-US" altLang="ja-JP" sz="1600" b="0" dirty="0" smtClean="0">
+                <a:latin typeface="+mj-ea"/>
+                <a:ea typeface="+mj-ea"/>
+              </a:rPr>
+              <a:t>5. </a:t>
+            </a:r>
+            <a:r>
+              <a:rPr lang="ja-JP" altLang="en-US" sz="1600" b="0" dirty="0" smtClean="0">
+                <a:latin typeface="+mj-ea"/>
+                <a:ea typeface="+mj-ea"/>
+              </a:rPr>
+              <a:t>学習</a:t>
+            </a:r>
+            <a:endParaRPr lang="en-US" altLang="ja-JP" sz="1600" b="0" dirty="0" smtClean="0">
+              <a:latin typeface="+mj-ea"/>
+              <a:ea typeface="+mj-ea"/>
+            </a:endParaRPr>
+          </a:p>
+          <a:p>
+            <a:pPr lvl="3"/>
+            <a:r>
+              <a:rPr lang="en-US" altLang="ja-JP" sz="1600" b="0" dirty="0" smtClean="0">
+                <a:latin typeface="+mj-ea"/>
+                <a:ea typeface="+mj-ea"/>
+              </a:rPr>
+              <a:t>6. </a:t>
+            </a:r>
+            <a:r>
+              <a:rPr lang="ja-JP" altLang="en-US" sz="1600" b="0" dirty="0" smtClean="0">
+                <a:latin typeface="+mj-ea"/>
+                <a:ea typeface="+mj-ea"/>
+              </a:rPr>
+              <a:t>学習済みネットワークから、単語ベクトルを取り出す</a:t>
+            </a:r>
+            <a:endParaRPr lang="en-US" altLang="ja-JP" sz="1600" b="0" dirty="0">
+              <a:latin typeface="+mj-ea"/>
+              <a:ea typeface="+mj-ea"/>
+            </a:endParaRPr>
+          </a:p>
+          <a:p>
+            <a:pPr lvl="3"/>
+            <a:r>
+              <a:rPr lang="ja-JP" altLang="en-US" sz="1600" b="0" dirty="0">
+                <a:latin typeface="+mj-ea"/>
+                <a:ea typeface="+mj-ea"/>
+              </a:rPr>
+              <a:t>　</a:t>
+            </a:r>
+            <a:r>
+              <a:rPr lang="en-US" altLang="ja-JP" sz="1600" b="0" dirty="0" smtClean="0">
+                <a:latin typeface="+mj-ea"/>
+                <a:ea typeface="+mj-ea"/>
+              </a:rPr>
+              <a:t>4.</a:t>
+            </a:r>
+            <a:r>
+              <a:rPr lang="ja-JP" altLang="en-US" sz="1600" b="0" dirty="0" smtClean="0">
+                <a:latin typeface="+mj-ea"/>
+                <a:ea typeface="+mj-ea"/>
+              </a:rPr>
+              <a:t>～</a:t>
+            </a:r>
+            <a:r>
+              <a:rPr lang="en-US" altLang="ja-JP" sz="1600" b="0" dirty="0" smtClean="0">
+                <a:latin typeface="+mj-ea"/>
+                <a:ea typeface="+mj-ea"/>
+              </a:rPr>
+              <a:t>5.</a:t>
+            </a:r>
+            <a:r>
+              <a:rPr lang="ja-JP" altLang="en-US" sz="1600" b="0" dirty="0" smtClean="0">
+                <a:latin typeface="+mj-ea"/>
+                <a:ea typeface="+mj-ea"/>
+              </a:rPr>
+              <a:t>については、</a:t>
+            </a:r>
+            <a:r>
+              <a:rPr lang="en-US" altLang="ja-JP" sz="1600" b="0" dirty="0" err="1" smtClean="0">
+                <a:latin typeface="+mj-ea"/>
+                <a:ea typeface="+mj-ea"/>
+              </a:rPr>
+              <a:t>Kotlin</a:t>
+            </a:r>
+            <a:r>
+              <a:rPr lang="ja-JP" altLang="en-US" sz="1600" b="0" dirty="0" smtClean="0">
+                <a:latin typeface="+mj-ea"/>
+                <a:ea typeface="+mj-ea"/>
+              </a:rPr>
+              <a:t>で実装を行い、処理を行った。</a:t>
+            </a:r>
+            <a:r>
+              <a:rPr lang="en-US" altLang="ja-JP" sz="1600" b="0" dirty="0" smtClean="0">
+                <a:latin typeface="+mj-ea"/>
+                <a:ea typeface="+mj-ea"/>
+              </a:rPr>
+              <a:t>(</a:t>
+            </a:r>
+            <a:r>
+              <a:rPr lang="ja-JP" altLang="en-US" sz="1600" b="0" dirty="0" smtClean="0">
+                <a:latin typeface="+mj-ea"/>
+                <a:ea typeface="+mj-ea"/>
+              </a:rPr>
+              <a:t>バッチサイズは</a:t>
+            </a:r>
+            <a:r>
+              <a:rPr lang="en-US" altLang="ja-JP" sz="1600" b="0" dirty="0" smtClean="0">
+                <a:latin typeface="+mj-ea"/>
+                <a:ea typeface="+mj-ea"/>
+              </a:rPr>
+              <a:t>300</a:t>
+            </a:r>
+            <a:r>
+              <a:rPr lang="ja-JP" altLang="en-US" sz="1600" b="0" dirty="0" err="1" smtClean="0">
+                <a:latin typeface="+mj-ea"/>
+                <a:ea typeface="+mj-ea"/>
+              </a:rPr>
+              <a:t>、</a:t>
+            </a:r>
+            <a:r>
+              <a:rPr lang="ja-JP" altLang="en-US" sz="1600" b="0" dirty="0" smtClean="0">
+                <a:latin typeface="+mj-ea"/>
+                <a:ea typeface="+mj-ea"/>
+              </a:rPr>
+              <a:t>エポック数は</a:t>
+            </a:r>
+            <a:r>
+              <a:rPr lang="en-US" altLang="ja-JP" sz="1600" b="0" dirty="0" smtClean="0">
+                <a:latin typeface="+mj-ea"/>
+                <a:ea typeface="+mj-ea"/>
+              </a:rPr>
+              <a:t>1000</a:t>
+            </a:r>
+            <a:r>
+              <a:rPr lang="ja-JP" altLang="en-US" sz="1600" b="0" dirty="0" smtClean="0">
+                <a:latin typeface="+mj-ea"/>
+                <a:ea typeface="+mj-ea"/>
+              </a:rPr>
+              <a:t>とした。</a:t>
+            </a:r>
+            <a:r>
+              <a:rPr lang="en-US" altLang="ja-JP" sz="1600" b="0" dirty="0" smtClean="0">
+                <a:latin typeface="+mj-ea"/>
+                <a:ea typeface="+mj-ea"/>
+              </a:rPr>
+              <a:t>)</a:t>
+            </a:r>
+          </a:p>
+        </p:txBody>
+      </p:sp>
     </p:spTree>
     <p:extLst>
       <p:ext uri="{BB962C8B-B14F-4D97-AF65-F5344CB8AC3E}">
@@ -46458,6 +47155,326 @@
 </file>
 
 <file path=ppt/slides/slide17.xml><?xml version="1.0" encoding="utf-8"?>
+<p:sld xmlns:a="http://schemas.openxmlformats.org/drawingml/2006/main" xmlns:r="http://schemas.openxmlformats.org/officeDocument/2006/relationships" xmlns:p="http://schemas.openxmlformats.org/presentationml/2006/main">
+  <p:cSld>
+    <p:spTree>
+      <p:nvGrpSpPr>
+        <p:cNvPr id="1" name=""/>
+        <p:cNvGrpSpPr/>
+        <p:nvPr/>
+      </p:nvGrpSpPr>
+      <p:grpSpPr>
+        <a:xfrm>
+          <a:off x="0" y="0"/>
+          <a:ext cx="0" cy="0"/>
+          <a:chOff x="0" y="0"/>
+          <a:chExt cx="0" cy="0"/>
+        </a:xfrm>
+      </p:grpSpPr>
+      <p:sp>
+        <p:nvSpPr>
+          <p:cNvPr id="2" name="タイトル 1"/>
+          <p:cNvSpPr>
+            <a:spLocks noGrp="1"/>
+          </p:cNvSpPr>
+          <p:nvPr>
+            <p:ph type="title"/>
+          </p:nvPr>
+        </p:nvSpPr>
+        <p:spPr/>
+        <p:txBody>
+          <a:bodyPr/>
+          <a:lstStyle/>
+          <a:p>
+            <a:r>
+              <a:rPr lang="ja-JP" altLang="en-US" dirty="0"/>
+              <a:t>実装、処理の</a:t>
+            </a:r>
+            <a:r>
+              <a:rPr lang="ja-JP" altLang="en-US" dirty="0" smtClean="0"/>
+              <a:t>結果</a:t>
+            </a:r>
+            <a:r>
+              <a:rPr lang="en-US" altLang="ja-JP" dirty="0" smtClean="0"/>
+              <a:t>(2)</a:t>
+            </a:r>
+            <a:endParaRPr lang="en-US" altLang="ja-JP" dirty="0"/>
+          </a:p>
+        </p:txBody>
+      </p:sp>
+      <p:pic>
+        <p:nvPicPr>
+          <p:cNvPr id="5" name="図 4"/>
+          <p:cNvPicPr>
+            <a:picLocks noChangeAspect="1"/>
+          </p:cNvPicPr>
+          <p:nvPr/>
+        </p:nvPicPr>
+        <p:blipFill>
+          <a:blip r:embed="rId3">
+            <a:extLst>
+              <a:ext uri="{28A0092B-C50C-407E-A947-70E740481C1C}">
+                <a14:useLocalDpi xmlns:a14="http://schemas.microsoft.com/office/drawing/2010/main" val="0"/>
+              </a:ext>
+            </a:extLst>
+          </a:blip>
+          <a:stretch>
+            <a:fillRect/>
+          </a:stretch>
+        </p:blipFill>
+        <p:spPr>
+          <a:xfrm>
+            <a:off x="10202412" y="320403"/>
+            <a:ext cx="1600376" cy="228625"/>
+          </a:xfrm>
+          <a:prstGeom prst="rect">
+            <a:avLst/>
+          </a:prstGeom>
+        </p:spPr>
+      </p:pic>
+      <p:sp>
+        <p:nvSpPr>
+          <p:cNvPr id="7" name="テキスト プレースホルダー 6"/>
+          <p:cNvSpPr>
+            <a:spLocks noGrp="1"/>
+          </p:cNvSpPr>
+          <p:nvPr>
+            <p:ph type="body" sz="quarter" idx="10"/>
+          </p:nvPr>
+        </p:nvSpPr>
+        <p:spPr/>
+        <p:txBody>
+          <a:bodyPr/>
+          <a:lstStyle/>
+          <a:p>
+            <a:endParaRPr kumimoji="1" lang="ja-JP" altLang="en-US"/>
+          </a:p>
+        </p:txBody>
+      </p:sp>
+      <p:sp>
+        <p:nvSpPr>
+          <p:cNvPr id="6" name="テキスト プレースホルダー 2"/>
+          <p:cNvSpPr>
+            <a:spLocks noGrp="1"/>
+          </p:cNvSpPr>
+          <p:nvPr>
+            <p:ph type="body" sz="quarter" idx="13"/>
+          </p:nvPr>
+        </p:nvSpPr>
+        <p:spPr>
+          <a:xfrm>
+            <a:off x="406400" y="1177200"/>
+            <a:ext cx="11376025" cy="4870220"/>
+          </a:xfrm>
+        </p:spPr>
+        <p:txBody>
+          <a:bodyPr/>
+          <a:lstStyle/>
+          <a:p>
+            <a:pPr lvl="3"/>
+            <a:r>
+              <a:rPr lang="ja-JP" altLang="en-US" sz="1600" b="0" dirty="0">
+                <a:latin typeface="+mj-ea"/>
+                <a:ea typeface="+mj-ea"/>
+              </a:rPr>
+              <a:t>以下</a:t>
+            </a:r>
+            <a:r>
+              <a:rPr lang="ja-JP" altLang="en-US" sz="1600" b="0" dirty="0" smtClean="0">
+                <a:latin typeface="+mj-ea"/>
+                <a:ea typeface="+mj-ea"/>
+              </a:rPr>
+              <a:t>のような単語</a:t>
+            </a:r>
+            <a:r>
+              <a:rPr lang="ja-JP" altLang="en-US" sz="1600" b="0" dirty="0">
+                <a:latin typeface="+mj-ea"/>
+                <a:ea typeface="+mj-ea"/>
+              </a:rPr>
+              <a:t>ベクトル</a:t>
+            </a:r>
+            <a:r>
+              <a:rPr lang="ja-JP" altLang="en-US" sz="1600" b="0" dirty="0" smtClean="0">
+                <a:latin typeface="+mj-ea"/>
+                <a:ea typeface="+mj-ea"/>
+              </a:rPr>
+              <a:t>は得られたが、「</a:t>
+            </a:r>
+            <a:r>
+              <a:rPr lang="en-US" altLang="ja-JP" sz="1600" b="0" dirty="0" smtClean="0">
+                <a:latin typeface="+mj-ea"/>
+                <a:ea typeface="+mj-ea"/>
+              </a:rPr>
+              <a:t>king – male + female </a:t>
+            </a:r>
+            <a:r>
+              <a:rPr lang="ja-JP" altLang="en-US" sz="1600" b="0" dirty="0" smtClean="0">
+                <a:latin typeface="+mj-ea"/>
+                <a:ea typeface="+mj-ea"/>
+              </a:rPr>
+              <a:t>≒ </a:t>
+            </a:r>
+            <a:r>
+              <a:rPr lang="en-US" altLang="ja-JP" sz="1600" b="0" dirty="0" smtClean="0">
+                <a:latin typeface="+mj-ea"/>
+                <a:ea typeface="+mj-ea"/>
+              </a:rPr>
+              <a:t>queen</a:t>
+            </a:r>
+            <a:r>
+              <a:rPr lang="ja-JP" altLang="en-US" sz="1600" b="0" dirty="0" smtClean="0">
+                <a:latin typeface="+mj-ea"/>
+                <a:ea typeface="+mj-ea"/>
+              </a:rPr>
+              <a:t>」のようなものは見つけられなかった。</a:t>
+            </a:r>
+            <a:endParaRPr lang="en-US" altLang="ja-JP" sz="1600" b="0" dirty="0" smtClean="0">
+              <a:latin typeface="+mj-ea"/>
+              <a:ea typeface="+mj-ea"/>
+            </a:endParaRPr>
+          </a:p>
+          <a:p>
+            <a:pPr lvl="3"/>
+            <a:endParaRPr lang="en-US" altLang="ja-JP" sz="1600" b="0" dirty="0" smtClean="0">
+              <a:latin typeface="+mj-ea"/>
+              <a:ea typeface="+mj-ea"/>
+            </a:endParaRPr>
+          </a:p>
+          <a:p>
+            <a:pPr lvl="3"/>
+            <a:endParaRPr lang="en-US" altLang="ja-JP" sz="1600" b="0" dirty="0" smtClean="0">
+              <a:latin typeface="+mj-ea"/>
+              <a:ea typeface="+mj-ea"/>
+            </a:endParaRPr>
+          </a:p>
+        </p:txBody>
+      </p:sp>
+      <p:pic>
+        <p:nvPicPr>
+          <p:cNvPr id="11" name="図 10"/>
+          <p:cNvPicPr>
+            <a:picLocks noChangeAspect="1"/>
+          </p:cNvPicPr>
+          <p:nvPr/>
+        </p:nvPicPr>
+        <p:blipFill>
+          <a:blip r:embed="rId4"/>
+          <a:stretch>
+            <a:fillRect/>
+          </a:stretch>
+        </p:blipFill>
+        <p:spPr>
+          <a:xfrm>
+            <a:off x="404813" y="1784838"/>
+            <a:ext cx="11376644" cy="216720"/>
+          </a:xfrm>
+          <a:prstGeom prst="rect">
+            <a:avLst/>
+          </a:prstGeom>
+          <a:solidFill>
+            <a:schemeClr val="bg2">
+              <a:lumMod val="20000"/>
+              <a:lumOff val="80000"/>
+            </a:schemeClr>
+          </a:solidFill>
+          <a:ln>
+            <a:solidFill>
+              <a:schemeClr val="tx1"/>
+            </a:solidFill>
+          </a:ln>
+        </p:spPr>
+      </p:pic>
+      <p:pic>
+        <p:nvPicPr>
+          <p:cNvPr id="12" name="図 11"/>
+          <p:cNvPicPr>
+            <a:picLocks noChangeAspect="1"/>
+          </p:cNvPicPr>
+          <p:nvPr/>
+        </p:nvPicPr>
+        <p:blipFill>
+          <a:blip r:embed="rId5"/>
+          <a:stretch>
+            <a:fillRect/>
+          </a:stretch>
+        </p:blipFill>
+        <p:spPr>
+          <a:xfrm>
+            <a:off x="404813" y="1514634"/>
+            <a:ext cx="11376644" cy="216720"/>
+          </a:xfrm>
+          <a:prstGeom prst="rect">
+            <a:avLst/>
+          </a:prstGeom>
+          <a:solidFill>
+            <a:schemeClr val="bg2">
+              <a:lumMod val="20000"/>
+              <a:lumOff val="80000"/>
+            </a:schemeClr>
+          </a:solidFill>
+          <a:ln>
+            <a:solidFill>
+              <a:schemeClr val="tx1"/>
+            </a:solidFill>
+          </a:ln>
+        </p:spPr>
+      </p:pic>
+      <p:pic>
+        <p:nvPicPr>
+          <p:cNvPr id="13" name="図 12"/>
+          <p:cNvPicPr>
+            <a:picLocks noChangeAspect="1"/>
+          </p:cNvPicPr>
+          <p:nvPr/>
+        </p:nvPicPr>
+        <p:blipFill>
+          <a:blip r:embed="rId6"/>
+          <a:stretch>
+            <a:fillRect/>
+          </a:stretch>
+        </p:blipFill>
+        <p:spPr>
+          <a:xfrm>
+            <a:off x="404813" y="2055042"/>
+            <a:ext cx="11376644" cy="216720"/>
+          </a:xfrm>
+          <a:prstGeom prst="rect">
+            <a:avLst/>
+          </a:prstGeom>
+          <a:solidFill>
+            <a:schemeClr val="bg2">
+              <a:lumMod val="20000"/>
+              <a:lumOff val="80000"/>
+            </a:schemeClr>
+          </a:solidFill>
+          <a:ln>
+            <a:solidFill>
+              <a:schemeClr val="tx1"/>
+            </a:solidFill>
+          </a:ln>
+        </p:spPr>
+      </p:pic>
+    </p:spTree>
+    <p:extLst>
+      <p:ext uri="{BB962C8B-B14F-4D97-AF65-F5344CB8AC3E}">
+        <p14:creationId xmlns:p14="http://schemas.microsoft.com/office/powerpoint/2010/main" val="2947899562"/>
+      </p:ext>
+    </p:extLst>
+  </p:cSld>
+  <p:clrMapOvr>
+    <a:masterClrMapping/>
+  </p:clrMapOvr>
+  <p:timing>
+    <p:tnLst>
+      <p:par>
+        <p:cTn id="1" dur="indefinite" restart="never" nodeType="tmRoot"/>
+      </p:par>
+    </p:tnLst>
+  </p:timing>
+</p:sld>
+</file>
+
+<file path=ppt/slides/slide18.xml><?xml version="1.0" encoding="utf-8"?>
 <p:sld xmlns:a="http://schemas.openxmlformats.org/drawingml/2006/main" xmlns:r="http://schemas.openxmlformats.org/officeDocument/2006/relationships" xmlns:p="http://schemas.openxmlformats.org/presentationml/2006/main">
   <p:cSld>
     <p:spTree>
@@ -46524,7 +47541,7 @@
         <p:spPr>
           <a:xfrm>
             <a:off x="1631504" y="1700808"/>
-            <a:ext cx="9000000" cy="2585323"/>
+            <a:ext cx="9000000" cy="1846659"/>
           </a:xfrm>
         </p:spPr>
         <p:txBody>
@@ -46547,27 +47564,9 @@
           <a:p>
             <a:r>
               <a:rPr lang="ja-JP" altLang="en-US" sz="2400" dirty="0" smtClean="0"/>
-              <a:t>近い将来、実務に耐えるものが出てくるかもしれないので、その前に基礎を学んでおきたいと考えました。</a:t>
+              <a:t>近い将来、実務に耐えるものが出てくるかもしれないので、その前に現状の技術の基礎を学んでおきたいと考えました。</a:t>
             </a:r>
             <a:endParaRPr lang="en-US" altLang="ja-JP" sz="2400" dirty="0" smtClean="0"/>
-          </a:p>
-          <a:p>
-            <a:endParaRPr lang="en-US" altLang="ja-JP" sz="2400" dirty="0"/>
-          </a:p>
-          <a:p>
-            <a:r>
-              <a:rPr lang="ja-JP" altLang="en-US" sz="2400" dirty="0" smtClean="0"/>
-              <a:t>なんかいまい</a:t>
-            </a:r>
-            <a:r>
-              <a:rPr lang="ja-JP" altLang="en-US" sz="2400" dirty="0" err="1" smtClean="0"/>
-              <a:t>ち</a:t>
-            </a:r>
-            <a:r>
-              <a:rPr lang="ja-JP" altLang="en-US" sz="2400" smtClean="0"/>
-              <a:t>。このシート自体なくてよいかも。</a:t>
-            </a:r>
-            <a:endParaRPr lang="en-US" altLang="ja-JP" sz="2400" dirty="0"/>
           </a:p>
         </p:txBody>
       </p:sp>
@@ -46617,7 +47616,7 @@
           <p:nvPr>
             <p:extLst>
               <p:ext uri="{D42A27DB-BD31-4B8C-83A1-F6EECF244321}">
-                <p14:modId xmlns:p14="http://schemas.microsoft.com/office/powerpoint/2010/main" val="3902433728"/>
+                <p14:modId xmlns:p14="http://schemas.microsoft.com/office/powerpoint/2010/main" val="985640051"/>
               </p:ext>
             </p:extLst>
           </p:nvPr>
@@ -47696,20 +48695,23 @@
                         <a:tabLst/>
                         <a:defRPr/>
                       </a:pPr>
-                      <a:endParaRPr kumimoji="0" lang="en-US" altLang="ja-JP" sz="2000" b="0" i="0" u="none" strike="noStrike" kern="1200" cap="none" spc="0" normalizeH="0" baseline="0" noProof="0" dirty="0" smtClean="0">
-                        <a:ln>
-                          <a:noFill/>
-                        </a:ln>
-                        <a:solidFill>
-                          <a:srgbClr val="08107B"/>
-                        </a:solidFill>
-                        <a:effectLst/>
-                        <a:uLnTx/>
-                        <a:uFillTx/>
-                        <a:latin typeface="+mn-lt"/>
-                        <a:ea typeface="+mn-ea"/>
-                        <a:cs typeface="+mn-cs"/>
-                      </a:endParaRPr>
+                      <a:r>
+                        <a:rPr kumimoji="0" lang="ja-JP" altLang="en-US" sz="2000" b="0" i="0" u="none" strike="noStrike" kern="1200" cap="none" spc="0" normalizeH="0" baseline="0" noProof="0" smtClean="0">
+                          <a:ln>
+                            <a:noFill/>
+                          </a:ln>
+                          <a:solidFill>
+                            <a:srgbClr val="08107B"/>
+                          </a:solidFill>
+                          <a:effectLst/>
+                          <a:uLnTx/>
+                          <a:uFillTx/>
+                          <a:latin typeface="+mn-lt"/>
+                          <a:ea typeface="+mn-ea"/>
+                          <a:cs typeface="+mn-cs"/>
+                        </a:rPr>
+                        <a:t>実装、処理の結果</a:t>
+                      </a:r>
                     </a:p>
                   </a:txBody>
                   <a:tcPr marL="288000" marB="72000" anchor="b">
@@ -48658,7 +49660,7 @@
         <p:spPr>
           <a:xfrm>
             <a:off x="406400" y="1177200"/>
-            <a:ext cx="11376025" cy="4464050"/>
+            <a:ext cx="11376025" cy="1387704"/>
           </a:xfrm>
         </p:spPr>
         <p:txBody>
@@ -48706,22 +49708,55 @@
           </a:p>
           <a:p>
             <a:pPr lvl="3"/>
+            <a:r>
+              <a:rPr lang="ja-JP" altLang="en-US" b="0" dirty="0" smtClean="0"/>
+              <a:t>テキストデータを、単語ベクトルのリストに変換することで、</a:t>
+            </a:r>
+            <a:r>
+              <a:rPr lang="en-US" altLang="ja-JP" b="0" dirty="0" smtClean="0"/>
+              <a:t>”</a:t>
+            </a:r>
+            <a:r>
+              <a:rPr lang="ja-JP" altLang="en-US" b="0" dirty="0" smtClean="0"/>
+              <a:t>文</a:t>
+            </a:r>
+            <a:r>
+              <a:rPr lang="en-US" altLang="ja-JP" b="0" dirty="0" smtClean="0"/>
+              <a:t>”</a:t>
+            </a:r>
+            <a:r>
+              <a:rPr lang="ja-JP" altLang="en-US" b="0" dirty="0" smtClean="0"/>
+              <a:t>を</a:t>
+            </a:r>
+            <a:r>
+              <a:rPr lang="en-US" altLang="ja-JP" b="0" dirty="0" smtClean="0"/>
+              <a:t>NN</a:t>
+            </a:r>
+            <a:r>
+              <a:rPr lang="ja-JP" altLang="en-US" b="0" dirty="0" smtClean="0"/>
+              <a:t>で処理できるようになる。</a:t>
+            </a:r>
+            <a:r>
+              <a:rPr lang="en-US" altLang="ja-JP" b="0" dirty="0" smtClean="0"/>
+              <a:t>(</a:t>
+            </a:r>
+            <a:r>
+              <a:rPr lang="ja-JP" altLang="en-US" b="0" dirty="0" smtClean="0"/>
+              <a:t>らしい</a:t>
+            </a:r>
+            <a:r>
+              <a:rPr lang="en-US" altLang="ja-JP" b="0" dirty="0" smtClean="0"/>
+              <a:t>)</a:t>
+            </a:r>
             <a:endParaRPr lang="en-US" altLang="ja-JP" b="0" dirty="0"/>
           </a:p>
           <a:p>
             <a:pPr lvl="3"/>
-            <a:r>
-              <a:rPr lang="en-US" altLang="ja-JP" b="0" dirty="0" smtClean="0"/>
-              <a:t>(TODO </a:t>
-            </a:r>
-            <a:r>
-              <a:rPr lang="ja-JP" altLang="en-US" b="0" dirty="0" smtClean="0"/>
-              <a:t>ここに図を挿入すること。処理の結果としてどのようなものが得られるのか、図などで示してほしい。</a:t>
-            </a:r>
-            <a:r>
-              <a:rPr lang="en-US" altLang="ja-JP" b="0" dirty="0" smtClean="0"/>
-              <a:t>)</a:t>
-            </a:r>
+            <a:endParaRPr lang="en-US" altLang="ja-JP" b="0" dirty="0" smtClean="0"/>
+          </a:p>
+          <a:p>
+            <a:pPr lvl="3"/>
+            <a:endParaRPr lang="en-US" altLang="ja-JP" b="0" dirty="0"/>
           </a:p>
         </p:txBody>
       </p:sp>
@@ -48801,6 +49836,1847 @@
           </a:p>
         </p:txBody>
       </p:sp>
+      <p:sp>
+        <p:nvSpPr>
+          <p:cNvPr id="6" name="テキスト ボックス 5"/>
+          <p:cNvSpPr txBox="1"/>
+          <p:nvPr/>
+        </p:nvSpPr>
+        <p:spPr>
+          <a:xfrm>
+            <a:off x="406400" y="2492897"/>
+            <a:ext cx="4176464" cy="1061829"/>
+          </a:xfrm>
+          <a:prstGeom prst="rect">
+            <a:avLst/>
+          </a:prstGeom>
+          <a:noFill/>
+          <a:ln>
+            <a:solidFill>
+              <a:schemeClr val="tx1"/>
+            </a:solidFill>
+          </a:ln>
+        </p:spPr>
+        <p:txBody>
+          <a:bodyPr wrap="square" lIns="0" tIns="0" rIns="0" bIns="0" rtlCol="0">
+            <a:spAutoFit/>
+          </a:bodyPr>
+          <a:lstStyle/>
+          <a:p>
+            <a:pPr>
+              <a:spcBef>
+                <a:spcPts val="600"/>
+              </a:spcBef>
+              <a:buClr>
+                <a:schemeClr val="accent1"/>
+              </a:buClr>
+            </a:pPr>
+            <a:r>
+              <a:rPr lang="en-US" altLang="ja-JP" sz="1600" dirty="0" smtClean="0"/>
+              <a:t>“Alice </a:t>
+            </a:r>
+            <a:r>
+              <a:rPr lang="en-US" altLang="ja-JP" sz="1600" dirty="0"/>
+              <a:t>was beginning to get very tired of sitting by her sister on the bank, and of having nothing to do</a:t>
+            </a:r>
+            <a:r>
+              <a:rPr lang="en-US" altLang="ja-JP" sz="1600" dirty="0" smtClean="0"/>
+              <a:t>:”…</a:t>
+            </a:r>
+            <a:endParaRPr kumimoji="1" lang="en-US" altLang="ja-JP" sz="1600" dirty="0"/>
+          </a:p>
+          <a:p>
+            <a:pPr marL="180000" indent="-180000">
+              <a:spcBef>
+                <a:spcPts val="600"/>
+              </a:spcBef>
+              <a:buClr>
+                <a:schemeClr val="accent1"/>
+              </a:buClr>
+              <a:buFont typeface="Wingdings" panose="05000000000000000000" pitchFamily="2" charset="2"/>
+              <a:buChar char="§"/>
+            </a:pPr>
+            <a:endParaRPr kumimoji="1" lang="ja-JP" altLang="en-US" sz="1600" noProof="0" dirty="0" err="1" smtClean="0"/>
+          </a:p>
+        </p:txBody>
+      </p:sp>
+      <p:sp>
+        <p:nvSpPr>
+          <p:cNvPr id="8" name="右矢印 7"/>
+          <p:cNvSpPr/>
+          <p:nvPr/>
+        </p:nvSpPr>
+        <p:spPr>
+          <a:xfrm>
+            <a:off x="4726928" y="2663771"/>
+            <a:ext cx="1800200" cy="720080"/>
+          </a:xfrm>
+          <a:prstGeom prst="rightArrow">
+            <a:avLst/>
+          </a:prstGeom>
+          <a:solidFill>
+            <a:srgbClr val="FFC000"/>
+          </a:solidFill>
+          <a:ln>
+            <a:noFill/>
+          </a:ln>
+        </p:spPr>
+        <p:style>
+          <a:lnRef idx="2">
+            <a:schemeClr val="accent1">
+              <a:shade val="50000"/>
+            </a:schemeClr>
+          </a:lnRef>
+          <a:fillRef idx="1">
+            <a:schemeClr val="accent1"/>
+          </a:fillRef>
+          <a:effectRef idx="0">
+            <a:schemeClr val="accent1"/>
+          </a:effectRef>
+          <a:fontRef idx="minor">
+            <a:schemeClr val="lt1"/>
+          </a:fontRef>
+        </p:style>
+        <p:txBody>
+          <a:bodyPr lIns="72000" tIns="72000" rIns="72000" bIns="72000" rtlCol="0" anchor="t" anchorCtr="0"/>
+          <a:lstStyle/>
+          <a:p>
+            <a:pPr marL="180000" indent="-180000" algn="l">
+              <a:spcBef>
+                <a:spcPts val="600"/>
+              </a:spcBef>
+              <a:buClr>
+                <a:schemeClr val="accent1"/>
+              </a:buClr>
+              <a:buFont typeface="Wingdings" panose="05000000000000000000" pitchFamily="2" charset="2"/>
+              <a:buChar char="§"/>
+            </a:pPr>
+            <a:endParaRPr kumimoji="1" lang="ja-JP" altLang="en-US" sz="1600" dirty="0" err="1" smtClean="0">
+              <a:solidFill>
+                <a:schemeClr val="tx1"/>
+              </a:solidFill>
+            </a:endParaRPr>
+          </a:p>
+        </p:txBody>
+      </p:sp>
+      <p:graphicFrame>
+        <p:nvGraphicFramePr>
+          <p:cNvPr id="9" name="表 8"/>
+          <p:cNvGraphicFramePr>
+            <a:graphicFrameLocks noGrp="1"/>
+          </p:cNvGraphicFramePr>
+          <p:nvPr>
+            <p:extLst>
+              <p:ext uri="{D42A27DB-BD31-4B8C-83A1-F6EECF244321}">
+                <p14:modId xmlns:p14="http://schemas.microsoft.com/office/powerpoint/2010/main" val="1008971466"/>
+              </p:ext>
+            </p:extLst>
+          </p:nvPr>
+        </p:nvGraphicFramePr>
+        <p:xfrm>
+          <a:off x="6718420" y="2492897"/>
+          <a:ext cx="5074446" cy="3343071"/>
+        </p:xfrm>
+        <a:graphic>
+          <a:graphicData uri="http://schemas.openxmlformats.org/drawingml/2006/table">
+            <a:tbl>
+              <a:tblPr firstRow="1" bandRow="1">
+                <a:tableStyleId>{5C22544A-7EE6-4342-B048-85BDC9FD1C3A}</a:tableStyleId>
+              </a:tblPr>
+              <a:tblGrid>
+                <a:gridCol w="1753844">
+                  <a:extLst>
+                    <a:ext uri="{9D8B030D-6E8A-4147-A177-3AD203B41FA5}">
+                      <a16:colId xmlns:a16="http://schemas.microsoft.com/office/drawing/2014/main" val="1313116525"/>
+                    </a:ext>
+                  </a:extLst>
+                </a:gridCol>
+                <a:gridCol w="648072">
+                  <a:extLst>
+                    <a:ext uri="{9D8B030D-6E8A-4147-A177-3AD203B41FA5}">
+                      <a16:colId xmlns:a16="http://schemas.microsoft.com/office/drawing/2014/main" val="3731686701"/>
+                    </a:ext>
+                  </a:extLst>
+                </a:gridCol>
+                <a:gridCol w="648072">
+                  <a:extLst>
+                    <a:ext uri="{9D8B030D-6E8A-4147-A177-3AD203B41FA5}">
+                      <a16:colId xmlns:a16="http://schemas.microsoft.com/office/drawing/2014/main" val="366795005"/>
+                    </a:ext>
+                  </a:extLst>
+                </a:gridCol>
+                <a:gridCol w="648072">
+                  <a:extLst>
+                    <a:ext uri="{9D8B030D-6E8A-4147-A177-3AD203B41FA5}">
+                      <a16:colId xmlns:a16="http://schemas.microsoft.com/office/drawing/2014/main" val="410254258"/>
+                    </a:ext>
+                  </a:extLst>
+                </a:gridCol>
+                <a:gridCol w="720080">
+                  <a:extLst>
+                    <a:ext uri="{9D8B030D-6E8A-4147-A177-3AD203B41FA5}">
+                      <a16:colId xmlns:a16="http://schemas.microsoft.com/office/drawing/2014/main" val="1177426667"/>
+                    </a:ext>
+                  </a:extLst>
+                </a:gridCol>
+                <a:gridCol w="656306">
+                  <a:extLst>
+                    <a:ext uri="{9D8B030D-6E8A-4147-A177-3AD203B41FA5}">
+                      <a16:colId xmlns:a16="http://schemas.microsoft.com/office/drawing/2014/main" val="1874990361"/>
+                    </a:ext>
+                  </a:extLst>
+                </a:gridCol>
+              </a:tblGrid>
+              <a:tr h="352921">
+                <a:tc>
+                  <a:txBody>
+                    <a:bodyPr/>
+                    <a:lstStyle/>
+                    <a:p>
+                      <a:r>
+                        <a:rPr kumimoji="1" lang="ja-JP" altLang="en-US" dirty="0" smtClean="0"/>
+                        <a:t>単語</a:t>
+                      </a:r>
+                      <a:endParaRPr kumimoji="1" lang="ja-JP" altLang="en-US" dirty="0"/>
+                    </a:p>
+                  </a:txBody>
+                  <a:tcPr/>
+                </a:tc>
+                <a:tc>
+                  <a:txBody>
+                    <a:bodyPr/>
+                    <a:lstStyle/>
+                    <a:p>
+                      <a:r>
+                        <a:rPr kumimoji="1" lang="en-US" altLang="ja-JP" dirty="0" smtClean="0"/>
+                        <a:t>1</a:t>
+                      </a:r>
+                      <a:endParaRPr kumimoji="1" lang="ja-JP" altLang="en-US" dirty="0"/>
+                    </a:p>
+                  </a:txBody>
+                  <a:tcPr/>
+                </a:tc>
+                <a:tc>
+                  <a:txBody>
+                    <a:bodyPr/>
+                    <a:lstStyle/>
+                    <a:p>
+                      <a:r>
+                        <a:rPr kumimoji="1" lang="en-US" altLang="ja-JP" dirty="0" smtClean="0"/>
+                        <a:t>2</a:t>
+                      </a:r>
+                      <a:endParaRPr kumimoji="1" lang="ja-JP" altLang="en-US" dirty="0"/>
+                    </a:p>
+                  </a:txBody>
+                  <a:tcPr/>
+                </a:tc>
+                <a:tc>
+                  <a:txBody>
+                    <a:bodyPr/>
+                    <a:lstStyle/>
+                    <a:p>
+                      <a:r>
+                        <a:rPr kumimoji="1" lang="en-US" altLang="ja-JP" dirty="0" smtClean="0"/>
+                        <a:t>3</a:t>
+                      </a:r>
+                      <a:endParaRPr kumimoji="1" lang="ja-JP" altLang="en-US" dirty="0"/>
+                    </a:p>
+                  </a:txBody>
+                  <a:tcPr/>
+                </a:tc>
+                <a:tc>
+                  <a:txBody>
+                    <a:bodyPr/>
+                    <a:lstStyle/>
+                    <a:p>
+                      <a:r>
+                        <a:rPr kumimoji="1" lang="en-US" altLang="ja-JP" dirty="0" smtClean="0"/>
+                        <a:t>4</a:t>
+                      </a:r>
+                      <a:endParaRPr kumimoji="1" lang="ja-JP" altLang="en-US" dirty="0"/>
+                    </a:p>
+                  </a:txBody>
+                  <a:tcPr/>
+                </a:tc>
+                <a:tc>
+                  <a:txBody>
+                    <a:bodyPr/>
+                    <a:lstStyle/>
+                    <a:p>
+                      <a:r>
+                        <a:rPr kumimoji="1" lang="en-US" altLang="ja-JP" dirty="0" smtClean="0"/>
+                        <a:t>5</a:t>
+                      </a:r>
+                      <a:endParaRPr kumimoji="1" lang="ja-JP" altLang="en-US" dirty="0"/>
+                    </a:p>
+                  </a:txBody>
+                  <a:tcPr/>
+                </a:tc>
+                <a:extLst>
+                  <a:ext uri="{0D108BD9-81ED-4DB2-BD59-A6C34878D82A}">
+                    <a16:rowId xmlns:a16="http://schemas.microsoft.com/office/drawing/2014/main" val="1008003993"/>
+                  </a:ext>
+                </a:extLst>
+              </a:tr>
+              <a:tr h="352921">
+                <a:tc>
+                  <a:txBody>
+                    <a:bodyPr/>
+                    <a:lstStyle/>
+                    <a:p>
+                      <a:r>
+                        <a:rPr kumimoji="1" lang="en-US" altLang="ja-JP" dirty="0" smtClean="0"/>
+                        <a:t>“Alice”</a:t>
+                      </a:r>
+                      <a:endParaRPr kumimoji="1" lang="ja-JP" altLang="en-US" dirty="0"/>
+                    </a:p>
+                  </a:txBody>
+                  <a:tcPr/>
+                </a:tc>
+                <a:tc>
+                  <a:txBody>
+                    <a:bodyPr/>
+                    <a:lstStyle/>
+                    <a:p>
+                      <a:r>
+                        <a:rPr kumimoji="1" lang="en-US" altLang="ja-JP" dirty="0" smtClean="0"/>
+                        <a:t>-0.1</a:t>
+                      </a:r>
+                      <a:endParaRPr kumimoji="1" lang="ja-JP" altLang="en-US" dirty="0"/>
+                    </a:p>
+                  </a:txBody>
+                  <a:tcPr/>
+                </a:tc>
+                <a:tc>
+                  <a:txBody>
+                    <a:bodyPr/>
+                    <a:lstStyle/>
+                    <a:p>
+                      <a:r>
+                        <a:rPr kumimoji="1" lang="en-US" altLang="ja-JP" dirty="0" smtClean="0"/>
+                        <a:t>0.3</a:t>
+                      </a:r>
+                      <a:endParaRPr kumimoji="1" lang="ja-JP" altLang="en-US" dirty="0"/>
+                    </a:p>
+                  </a:txBody>
+                  <a:tcPr/>
+                </a:tc>
+                <a:tc>
+                  <a:txBody>
+                    <a:bodyPr/>
+                    <a:lstStyle/>
+                    <a:p>
+                      <a:r>
+                        <a:rPr kumimoji="1" lang="en-US" altLang="ja-JP" dirty="0" smtClean="0"/>
+                        <a:t>-0.2</a:t>
+                      </a:r>
+                      <a:endParaRPr kumimoji="1" lang="ja-JP" altLang="en-US" dirty="0"/>
+                    </a:p>
+                  </a:txBody>
+                  <a:tcPr/>
+                </a:tc>
+                <a:tc>
+                  <a:txBody>
+                    <a:bodyPr/>
+                    <a:lstStyle/>
+                    <a:p>
+                      <a:r>
+                        <a:rPr kumimoji="1" lang="en-US" altLang="ja-JP" dirty="0" smtClean="0"/>
+                        <a:t>0.4</a:t>
+                      </a:r>
+                      <a:endParaRPr kumimoji="1" lang="ja-JP" altLang="en-US" dirty="0"/>
+                    </a:p>
+                  </a:txBody>
+                  <a:tcPr/>
+                </a:tc>
+                <a:tc>
+                  <a:txBody>
+                    <a:bodyPr/>
+                    <a:lstStyle/>
+                    <a:p>
+                      <a:r>
+                        <a:rPr kumimoji="1" lang="en-US" altLang="ja-JP" dirty="0" smtClean="0"/>
+                        <a:t>2.1</a:t>
+                      </a:r>
+                      <a:endParaRPr kumimoji="1" lang="ja-JP" altLang="en-US" dirty="0"/>
+                    </a:p>
+                  </a:txBody>
+                  <a:tcPr/>
+                </a:tc>
+                <a:extLst>
+                  <a:ext uri="{0D108BD9-81ED-4DB2-BD59-A6C34878D82A}">
+                    <a16:rowId xmlns:a16="http://schemas.microsoft.com/office/drawing/2014/main" val="2690828569"/>
+                  </a:ext>
+                </a:extLst>
+              </a:tr>
+              <a:tr h="352921">
+                <a:tc>
+                  <a:txBody>
+                    <a:bodyPr/>
+                    <a:lstStyle/>
+                    <a:p>
+                      <a:r>
+                        <a:rPr kumimoji="1" lang="en-US" altLang="ja-JP" dirty="0" smtClean="0"/>
+                        <a:t>“and”</a:t>
+                      </a:r>
+                      <a:endParaRPr kumimoji="1" lang="ja-JP" altLang="en-US" dirty="0"/>
+                    </a:p>
+                  </a:txBody>
+                  <a:tcPr/>
+                </a:tc>
+                <a:tc>
+                  <a:txBody>
+                    <a:bodyPr/>
+                    <a:lstStyle/>
+                    <a:p>
+                      <a:r>
+                        <a:rPr kumimoji="1" lang="en-US" altLang="ja-JP" dirty="0" smtClean="0"/>
+                        <a:t>0.5</a:t>
+                      </a:r>
+                      <a:endParaRPr kumimoji="1" lang="ja-JP" altLang="en-US" dirty="0"/>
+                    </a:p>
+                  </a:txBody>
+                  <a:tcPr/>
+                </a:tc>
+                <a:tc>
+                  <a:txBody>
+                    <a:bodyPr/>
+                    <a:lstStyle/>
+                    <a:p>
+                      <a:r>
+                        <a:rPr kumimoji="1" lang="en-US" altLang="ja-JP" dirty="0" smtClean="0"/>
+                        <a:t>0.2</a:t>
+                      </a:r>
+                      <a:endParaRPr kumimoji="1" lang="ja-JP" altLang="en-US" dirty="0"/>
+                    </a:p>
+                  </a:txBody>
+                  <a:tcPr/>
+                </a:tc>
+                <a:tc>
+                  <a:txBody>
+                    <a:bodyPr/>
+                    <a:lstStyle/>
+                    <a:p>
+                      <a:r>
+                        <a:rPr kumimoji="1" lang="en-US" altLang="ja-JP" dirty="0" smtClean="0"/>
+                        <a:t>-1.2</a:t>
+                      </a:r>
+                      <a:endParaRPr kumimoji="1" lang="ja-JP" altLang="en-US" dirty="0"/>
+                    </a:p>
+                  </a:txBody>
+                  <a:tcPr/>
+                </a:tc>
+                <a:tc>
+                  <a:txBody>
+                    <a:bodyPr/>
+                    <a:lstStyle/>
+                    <a:p>
+                      <a:r>
+                        <a:rPr kumimoji="1" lang="en-US" altLang="ja-JP" dirty="0" smtClean="0"/>
+                        <a:t>-2.1</a:t>
+                      </a:r>
+                      <a:endParaRPr kumimoji="1" lang="ja-JP" altLang="en-US" dirty="0"/>
+                    </a:p>
+                  </a:txBody>
+                  <a:tcPr/>
+                </a:tc>
+                <a:tc>
+                  <a:txBody>
+                    <a:bodyPr/>
+                    <a:lstStyle/>
+                    <a:p>
+                      <a:r>
+                        <a:rPr kumimoji="1" lang="en-US" altLang="ja-JP" dirty="0" smtClean="0"/>
+                        <a:t>5.0</a:t>
+                      </a:r>
+                      <a:endParaRPr kumimoji="1" lang="ja-JP" altLang="en-US" dirty="0"/>
+                    </a:p>
+                  </a:txBody>
+                  <a:tcPr/>
+                </a:tc>
+                <a:extLst>
+                  <a:ext uri="{0D108BD9-81ED-4DB2-BD59-A6C34878D82A}">
+                    <a16:rowId xmlns:a16="http://schemas.microsoft.com/office/drawing/2014/main" val="1468984038"/>
+                  </a:ext>
+                </a:extLst>
+              </a:tr>
+              <a:tr h="352921">
+                <a:tc>
+                  <a:txBody>
+                    <a:bodyPr/>
+                    <a:lstStyle/>
+                    <a:p>
+                      <a:r>
+                        <a:rPr kumimoji="1" lang="en-US" altLang="ja-JP" dirty="0" smtClean="0"/>
+                        <a:t>“bank”</a:t>
+                      </a:r>
+                      <a:endParaRPr kumimoji="1" lang="ja-JP" altLang="en-US" dirty="0"/>
+                    </a:p>
+                  </a:txBody>
+                  <a:tcPr/>
+                </a:tc>
+                <a:tc>
+                  <a:txBody>
+                    <a:bodyPr/>
+                    <a:lstStyle/>
+                    <a:p>
+                      <a:r>
+                        <a:rPr kumimoji="1" lang="en-US" altLang="ja-JP" dirty="0" smtClean="0"/>
+                        <a:t>1.2</a:t>
+                      </a:r>
+                      <a:endParaRPr kumimoji="1" lang="ja-JP" altLang="en-US" dirty="0"/>
+                    </a:p>
+                  </a:txBody>
+                  <a:tcPr/>
+                </a:tc>
+                <a:tc>
+                  <a:txBody>
+                    <a:bodyPr/>
+                    <a:lstStyle/>
+                    <a:p>
+                      <a:r>
+                        <a:rPr kumimoji="1" lang="en-US" altLang="ja-JP" dirty="0" smtClean="0"/>
+                        <a:t>3.5</a:t>
+                      </a:r>
+                      <a:endParaRPr kumimoji="1" lang="ja-JP" altLang="en-US" dirty="0"/>
+                    </a:p>
+                  </a:txBody>
+                  <a:tcPr/>
+                </a:tc>
+                <a:tc>
+                  <a:txBody>
+                    <a:bodyPr/>
+                    <a:lstStyle/>
+                    <a:p>
+                      <a:r>
+                        <a:rPr kumimoji="1" lang="en-US" altLang="ja-JP" dirty="0" smtClean="0"/>
+                        <a:t>-4.7</a:t>
+                      </a:r>
+                      <a:endParaRPr kumimoji="1" lang="ja-JP" altLang="en-US" dirty="0"/>
+                    </a:p>
+                  </a:txBody>
+                  <a:tcPr/>
+                </a:tc>
+                <a:tc>
+                  <a:txBody>
+                    <a:bodyPr/>
+                    <a:lstStyle/>
+                    <a:p>
+                      <a:r>
+                        <a:rPr kumimoji="1" lang="en-US" altLang="ja-JP" dirty="0" smtClean="0"/>
+                        <a:t>-0.1</a:t>
+                      </a:r>
+                      <a:endParaRPr kumimoji="1" lang="ja-JP" altLang="en-US" dirty="0"/>
+                    </a:p>
+                  </a:txBody>
+                  <a:tcPr/>
+                </a:tc>
+                <a:tc>
+                  <a:txBody>
+                    <a:bodyPr/>
+                    <a:lstStyle/>
+                    <a:p>
+                      <a:r>
+                        <a:rPr kumimoji="1" lang="en-US" altLang="ja-JP" dirty="0" smtClean="0"/>
+                        <a:t>-0.9</a:t>
+                      </a:r>
+                      <a:endParaRPr kumimoji="1" lang="ja-JP" altLang="en-US" dirty="0"/>
+                    </a:p>
+                  </a:txBody>
+                  <a:tcPr/>
+                </a:tc>
+                <a:extLst>
+                  <a:ext uri="{0D108BD9-81ED-4DB2-BD59-A6C34878D82A}">
+                    <a16:rowId xmlns:a16="http://schemas.microsoft.com/office/drawing/2014/main" val="2993980002"/>
+                  </a:ext>
+                </a:extLst>
+              </a:tr>
+              <a:tr h="352921">
+                <a:tc>
+                  <a:txBody>
+                    <a:bodyPr/>
+                    <a:lstStyle/>
+                    <a:p>
+                      <a:r>
+                        <a:rPr kumimoji="1" lang="en-US" altLang="ja-JP" dirty="0" smtClean="0"/>
+                        <a:t>“beginning”</a:t>
+                      </a:r>
+                      <a:endParaRPr kumimoji="1" lang="ja-JP" altLang="en-US" dirty="0"/>
+                    </a:p>
+                  </a:txBody>
+                  <a:tcPr/>
+                </a:tc>
+                <a:tc>
+                  <a:txBody>
+                    <a:bodyPr/>
+                    <a:lstStyle/>
+                    <a:p>
+                      <a:r>
+                        <a:rPr kumimoji="1" lang="en-US" altLang="ja-JP" dirty="0" smtClean="0"/>
+                        <a:t>-2.3</a:t>
+                      </a:r>
+                      <a:endParaRPr kumimoji="1" lang="ja-JP" altLang="en-US" dirty="0"/>
+                    </a:p>
+                  </a:txBody>
+                  <a:tcPr/>
+                </a:tc>
+                <a:tc>
+                  <a:txBody>
+                    <a:bodyPr/>
+                    <a:lstStyle/>
+                    <a:p>
+                      <a:r>
+                        <a:rPr kumimoji="1" lang="en-US" altLang="ja-JP" dirty="0" smtClean="0"/>
+                        <a:t>3.1</a:t>
+                      </a:r>
+                      <a:endParaRPr kumimoji="1" lang="ja-JP" altLang="en-US" dirty="0"/>
+                    </a:p>
+                  </a:txBody>
+                  <a:tcPr/>
+                </a:tc>
+                <a:tc>
+                  <a:txBody>
+                    <a:bodyPr/>
+                    <a:lstStyle/>
+                    <a:p>
+                      <a:r>
+                        <a:rPr kumimoji="1" lang="en-US" altLang="ja-JP" dirty="0" smtClean="0"/>
+                        <a:t>5.2</a:t>
+                      </a:r>
+                      <a:endParaRPr kumimoji="1" lang="ja-JP" altLang="en-US" dirty="0"/>
+                    </a:p>
+                  </a:txBody>
+                  <a:tcPr/>
+                </a:tc>
+                <a:tc>
+                  <a:txBody>
+                    <a:bodyPr/>
+                    <a:lstStyle/>
+                    <a:p>
+                      <a:r>
+                        <a:rPr kumimoji="1" lang="en-US" altLang="ja-JP" dirty="0" smtClean="0"/>
+                        <a:t>-0.7</a:t>
+                      </a:r>
+                      <a:endParaRPr kumimoji="1" lang="ja-JP" altLang="en-US" dirty="0"/>
+                    </a:p>
+                  </a:txBody>
+                  <a:tcPr/>
+                </a:tc>
+                <a:tc>
+                  <a:txBody>
+                    <a:bodyPr/>
+                    <a:lstStyle/>
+                    <a:p>
+                      <a:r>
+                        <a:rPr kumimoji="1" lang="en-US" altLang="ja-JP" dirty="0" smtClean="0"/>
+                        <a:t>-5.6</a:t>
+                      </a:r>
+                      <a:endParaRPr kumimoji="1" lang="ja-JP" altLang="en-US" dirty="0"/>
+                    </a:p>
+                  </a:txBody>
+                  <a:tcPr/>
+                </a:tc>
+                <a:extLst>
+                  <a:ext uri="{0D108BD9-81ED-4DB2-BD59-A6C34878D82A}">
+                    <a16:rowId xmlns:a16="http://schemas.microsoft.com/office/drawing/2014/main" val="2741701262"/>
+                  </a:ext>
+                </a:extLst>
+              </a:tr>
+              <a:tr h="352921">
+                <a:tc>
+                  <a:txBody>
+                    <a:bodyPr/>
+                    <a:lstStyle/>
+                    <a:p>
+                      <a:r>
+                        <a:rPr kumimoji="1" lang="en-US" altLang="ja-JP" dirty="0" smtClean="0"/>
+                        <a:t>“by”</a:t>
+                      </a:r>
+                    </a:p>
+                  </a:txBody>
+                  <a:tcPr/>
+                </a:tc>
+                <a:tc>
+                  <a:txBody>
+                    <a:bodyPr/>
+                    <a:lstStyle/>
+                    <a:p>
+                      <a:r>
+                        <a:rPr kumimoji="1" lang="en-US" altLang="ja-JP" dirty="0" smtClean="0"/>
+                        <a:t>-3.1</a:t>
+                      </a:r>
+                      <a:endParaRPr kumimoji="1" lang="ja-JP" altLang="en-US" dirty="0"/>
+                    </a:p>
+                  </a:txBody>
+                  <a:tcPr/>
+                </a:tc>
+                <a:tc>
+                  <a:txBody>
+                    <a:bodyPr/>
+                    <a:lstStyle/>
+                    <a:p>
+                      <a:r>
+                        <a:rPr kumimoji="1" lang="en-US" altLang="ja-JP" dirty="0" smtClean="0"/>
+                        <a:t>0.5</a:t>
+                      </a:r>
+                      <a:endParaRPr kumimoji="1" lang="ja-JP" altLang="en-US" dirty="0"/>
+                    </a:p>
+                  </a:txBody>
+                  <a:tcPr/>
+                </a:tc>
+                <a:tc>
+                  <a:txBody>
+                    <a:bodyPr/>
+                    <a:lstStyle/>
+                    <a:p>
+                      <a:r>
+                        <a:rPr kumimoji="1" lang="en-US" altLang="ja-JP" dirty="0" smtClean="0"/>
+                        <a:t>-5.1</a:t>
+                      </a:r>
+                      <a:endParaRPr kumimoji="1" lang="ja-JP" altLang="en-US" dirty="0"/>
+                    </a:p>
+                  </a:txBody>
+                  <a:tcPr/>
+                </a:tc>
+                <a:tc>
+                  <a:txBody>
+                    <a:bodyPr/>
+                    <a:lstStyle/>
+                    <a:p>
+                      <a:r>
+                        <a:rPr kumimoji="1" lang="en-US" altLang="ja-JP" dirty="0" smtClean="0"/>
+                        <a:t>-7.1</a:t>
+                      </a:r>
+                      <a:endParaRPr kumimoji="1" lang="ja-JP" altLang="en-US" dirty="0"/>
+                    </a:p>
+                  </a:txBody>
+                  <a:tcPr/>
+                </a:tc>
+                <a:tc>
+                  <a:txBody>
+                    <a:bodyPr/>
+                    <a:lstStyle/>
+                    <a:p>
+                      <a:r>
+                        <a:rPr kumimoji="1" lang="en-US" altLang="ja-JP" dirty="0" smtClean="0"/>
+                        <a:t>9.1</a:t>
+                      </a:r>
+                      <a:endParaRPr kumimoji="1" lang="ja-JP" altLang="en-US" dirty="0"/>
+                    </a:p>
+                  </a:txBody>
+                  <a:tcPr/>
+                </a:tc>
+                <a:extLst>
+                  <a:ext uri="{0D108BD9-81ED-4DB2-BD59-A6C34878D82A}">
+                    <a16:rowId xmlns:a16="http://schemas.microsoft.com/office/drawing/2014/main" val="2321872188"/>
+                  </a:ext>
+                </a:extLst>
+              </a:tr>
+              <a:tr h="352921">
+                <a:tc>
+                  <a:txBody>
+                    <a:bodyPr/>
+                    <a:lstStyle/>
+                    <a:p>
+                      <a:r>
+                        <a:rPr kumimoji="1" lang="en-US" altLang="ja-JP" dirty="0" smtClean="0"/>
+                        <a:t>“get”</a:t>
+                      </a:r>
+                      <a:endParaRPr kumimoji="1" lang="ja-JP" altLang="en-US" dirty="0"/>
+                    </a:p>
+                  </a:txBody>
+                  <a:tcPr/>
+                </a:tc>
+                <a:tc>
+                  <a:txBody>
+                    <a:bodyPr/>
+                    <a:lstStyle/>
+                    <a:p>
+                      <a:r>
+                        <a:rPr kumimoji="1" lang="en-US" altLang="ja-JP" dirty="0" smtClean="0"/>
+                        <a:t>-5.3</a:t>
+                      </a:r>
+                      <a:endParaRPr kumimoji="1" lang="ja-JP" altLang="en-US" dirty="0"/>
+                    </a:p>
+                  </a:txBody>
+                  <a:tcPr/>
+                </a:tc>
+                <a:tc>
+                  <a:txBody>
+                    <a:bodyPr/>
+                    <a:lstStyle/>
+                    <a:p>
+                      <a:r>
+                        <a:rPr kumimoji="1" lang="en-US" altLang="ja-JP" dirty="0" smtClean="0"/>
+                        <a:t>-4.1</a:t>
+                      </a:r>
+                      <a:endParaRPr kumimoji="1" lang="ja-JP" altLang="en-US" dirty="0"/>
+                    </a:p>
+                  </a:txBody>
+                  <a:tcPr/>
+                </a:tc>
+                <a:tc>
+                  <a:txBody>
+                    <a:bodyPr/>
+                    <a:lstStyle/>
+                    <a:p>
+                      <a:r>
+                        <a:rPr kumimoji="1" lang="en-US" altLang="ja-JP" dirty="0" smtClean="0"/>
+                        <a:t>-0.5</a:t>
+                      </a:r>
+                      <a:endParaRPr kumimoji="1" lang="ja-JP" altLang="en-US" dirty="0"/>
+                    </a:p>
+                  </a:txBody>
+                  <a:tcPr/>
+                </a:tc>
+                <a:tc>
+                  <a:txBody>
+                    <a:bodyPr/>
+                    <a:lstStyle/>
+                    <a:p>
+                      <a:r>
+                        <a:rPr kumimoji="1" lang="en-US" altLang="ja-JP" dirty="0" smtClean="0"/>
+                        <a:t>0.2</a:t>
+                      </a:r>
+                      <a:endParaRPr kumimoji="1" lang="ja-JP" altLang="en-US" dirty="0"/>
+                    </a:p>
+                  </a:txBody>
+                  <a:tcPr/>
+                </a:tc>
+                <a:tc>
+                  <a:txBody>
+                    <a:bodyPr/>
+                    <a:lstStyle/>
+                    <a:p>
+                      <a:r>
+                        <a:rPr kumimoji="1" lang="en-US" altLang="ja-JP" dirty="0" smtClean="0"/>
+                        <a:t>0.9</a:t>
+                      </a:r>
+                      <a:endParaRPr kumimoji="1" lang="ja-JP" altLang="en-US" dirty="0"/>
+                    </a:p>
+                  </a:txBody>
+                  <a:tcPr/>
+                </a:tc>
+                <a:extLst>
+                  <a:ext uri="{0D108BD9-81ED-4DB2-BD59-A6C34878D82A}">
+                    <a16:rowId xmlns:a16="http://schemas.microsoft.com/office/drawing/2014/main" val="430861659"/>
+                  </a:ext>
+                </a:extLst>
+              </a:tr>
+              <a:tr h="352921">
+                <a:tc>
+                  <a:txBody>
+                    <a:bodyPr/>
+                    <a:lstStyle/>
+                    <a:p>
+                      <a:r>
+                        <a:rPr kumimoji="1" lang="en-US" altLang="ja-JP" dirty="0" smtClean="0"/>
+                        <a:t>“having”</a:t>
+                      </a:r>
+                      <a:endParaRPr kumimoji="1" lang="ja-JP" altLang="en-US" dirty="0"/>
+                    </a:p>
+                  </a:txBody>
+                  <a:tcPr/>
+                </a:tc>
+                <a:tc>
+                  <a:txBody>
+                    <a:bodyPr/>
+                    <a:lstStyle/>
+                    <a:p>
+                      <a:r>
+                        <a:rPr kumimoji="1" lang="en-US" altLang="ja-JP" dirty="0" smtClean="0"/>
+                        <a:t>-3.1</a:t>
+                      </a:r>
+                    </a:p>
+                  </a:txBody>
+                  <a:tcPr/>
+                </a:tc>
+                <a:tc>
+                  <a:txBody>
+                    <a:bodyPr/>
+                    <a:lstStyle/>
+                    <a:p>
+                      <a:r>
+                        <a:rPr kumimoji="1" lang="en-US" altLang="ja-JP" dirty="0" smtClean="0"/>
+                        <a:t>0.3</a:t>
+                      </a:r>
+                    </a:p>
+                  </a:txBody>
+                  <a:tcPr/>
+                </a:tc>
+                <a:tc>
+                  <a:txBody>
+                    <a:bodyPr/>
+                    <a:lstStyle/>
+                    <a:p>
+                      <a:r>
+                        <a:rPr kumimoji="1" lang="en-US" altLang="ja-JP" dirty="0" smtClean="0"/>
+                        <a:t>-5.1</a:t>
+                      </a:r>
+                    </a:p>
+                  </a:txBody>
+                  <a:tcPr/>
+                </a:tc>
+                <a:tc>
+                  <a:txBody>
+                    <a:bodyPr/>
+                    <a:lstStyle/>
+                    <a:p>
+                      <a:r>
+                        <a:rPr kumimoji="1" lang="en-US" altLang="ja-JP" dirty="0" smtClean="0"/>
+                        <a:t>1.5</a:t>
+                      </a:r>
+                    </a:p>
+                  </a:txBody>
+                  <a:tcPr/>
+                </a:tc>
+                <a:tc>
+                  <a:txBody>
+                    <a:bodyPr/>
+                    <a:lstStyle/>
+                    <a:p>
+                      <a:r>
+                        <a:rPr kumimoji="1" lang="en-US" altLang="ja-JP" dirty="0" smtClean="0"/>
+                        <a:t>10.6</a:t>
+                      </a:r>
+                    </a:p>
+                  </a:txBody>
+                  <a:tcPr/>
+                </a:tc>
+                <a:extLst>
+                  <a:ext uri="{0D108BD9-81ED-4DB2-BD59-A6C34878D82A}">
+                    <a16:rowId xmlns:a16="http://schemas.microsoft.com/office/drawing/2014/main" val="1027824084"/>
+                  </a:ext>
+                </a:extLst>
+              </a:tr>
+              <a:tr h="416991">
+                <a:tc>
+                  <a:txBody>
+                    <a:bodyPr/>
+                    <a:lstStyle/>
+                    <a:p>
+                      <a:r>
+                        <a:rPr kumimoji="1" lang="en-US" altLang="ja-JP" dirty="0" smtClean="0"/>
+                        <a:t>:</a:t>
+                      </a:r>
+                    </a:p>
+                  </a:txBody>
+                  <a:tcPr/>
+                </a:tc>
+                <a:tc>
+                  <a:txBody>
+                    <a:bodyPr/>
+                    <a:lstStyle/>
+                    <a:p>
+                      <a:endParaRPr kumimoji="1" lang="en-US" altLang="ja-JP" dirty="0" smtClean="0"/>
+                    </a:p>
+                  </a:txBody>
+                  <a:tcPr/>
+                </a:tc>
+                <a:tc>
+                  <a:txBody>
+                    <a:bodyPr/>
+                    <a:lstStyle/>
+                    <a:p>
+                      <a:endParaRPr kumimoji="1" lang="en-US" altLang="ja-JP" dirty="0" smtClean="0"/>
+                    </a:p>
+                  </a:txBody>
+                  <a:tcPr/>
+                </a:tc>
+                <a:tc>
+                  <a:txBody>
+                    <a:bodyPr/>
+                    <a:lstStyle/>
+                    <a:p>
+                      <a:endParaRPr kumimoji="1" lang="en-US" altLang="ja-JP" dirty="0" smtClean="0"/>
+                    </a:p>
+                  </a:txBody>
+                  <a:tcPr/>
+                </a:tc>
+                <a:tc>
+                  <a:txBody>
+                    <a:bodyPr/>
+                    <a:lstStyle/>
+                    <a:p>
+                      <a:endParaRPr kumimoji="1" lang="en-US" altLang="ja-JP" dirty="0" smtClean="0"/>
+                    </a:p>
+                  </a:txBody>
+                  <a:tcPr/>
+                </a:tc>
+                <a:tc>
+                  <a:txBody>
+                    <a:bodyPr/>
+                    <a:lstStyle/>
+                    <a:p>
+                      <a:endParaRPr kumimoji="1" lang="en-US" altLang="ja-JP" dirty="0" smtClean="0"/>
+                    </a:p>
+                  </a:txBody>
+                  <a:tcPr/>
+                </a:tc>
+                <a:extLst>
+                  <a:ext uri="{0D108BD9-81ED-4DB2-BD59-A6C34878D82A}">
+                    <a16:rowId xmlns:a16="http://schemas.microsoft.com/office/drawing/2014/main" val="608161035"/>
+                  </a:ext>
+                </a:extLst>
+              </a:tr>
+            </a:tbl>
+          </a:graphicData>
+        </a:graphic>
+      </p:graphicFrame>
+      <p:graphicFrame>
+        <p:nvGraphicFramePr>
+          <p:cNvPr id="10" name="表 9"/>
+          <p:cNvGraphicFramePr>
+            <a:graphicFrameLocks noGrp="1"/>
+          </p:cNvGraphicFramePr>
+          <p:nvPr>
+            <p:extLst>
+              <p:ext uri="{D42A27DB-BD31-4B8C-83A1-F6EECF244321}">
+                <p14:modId xmlns:p14="http://schemas.microsoft.com/office/powerpoint/2010/main" val="332659701"/>
+              </p:ext>
+            </p:extLst>
+          </p:nvPr>
+        </p:nvGraphicFramePr>
+        <p:xfrm>
+          <a:off x="6718420" y="2492897"/>
+          <a:ext cx="5074446" cy="3291840"/>
+        </p:xfrm>
+        <a:graphic>
+          <a:graphicData uri="http://schemas.openxmlformats.org/drawingml/2006/table">
+            <a:tbl>
+              <a:tblPr firstRow="1" bandRow="1">
+                <a:tableStyleId>{5C22544A-7EE6-4342-B048-85BDC9FD1C3A}</a:tableStyleId>
+              </a:tblPr>
+              <a:tblGrid>
+                <a:gridCol w="1753844">
+                  <a:extLst>
+                    <a:ext uri="{9D8B030D-6E8A-4147-A177-3AD203B41FA5}">
+                      <a16:colId xmlns:a16="http://schemas.microsoft.com/office/drawing/2014/main" val="1313116525"/>
+                    </a:ext>
+                  </a:extLst>
+                </a:gridCol>
+                <a:gridCol w="648072">
+                  <a:extLst>
+                    <a:ext uri="{9D8B030D-6E8A-4147-A177-3AD203B41FA5}">
+                      <a16:colId xmlns:a16="http://schemas.microsoft.com/office/drawing/2014/main" val="3731686701"/>
+                    </a:ext>
+                  </a:extLst>
+                </a:gridCol>
+                <a:gridCol w="648072">
+                  <a:extLst>
+                    <a:ext uri="{9D8B030D-6E8A-4147-A177-3AD203B41FA5}">
+                      <a16:colId xmlns:a16="http://schemas.microsoft.com/office/drawing/2014/main" val="366795005"/>
+                    </a:ext>
+                  </a:extLst>
+                </a:gridCol>
+                <a:gridCol w="648072">
+                  <a:extLst>
+                    <a:ext uri="{9D8B030D-6E8A-4147-A177-3AD203B41FA5}">
+                      <a16:colId xmlns:a16="http://schemas.microsoft.com/office/drawing/2014/main" val="410254258"/>
+                    </a:ext>
+                  </a:extLst>
+                </a:gridCol>
+                <a:gridCol w="720080">
+                  <a:extLst>
+                    <a:ext uri="{9D8B030D-6E8A-4147-A177-3AD203B41FA5}">
+                      <a16:colId xmlns:a16="http://schemas.microsoft.com/office/drawing/2014/main" val="1177426667"/>
+                    </a:ext>
+                  </a:extLst>
+                </a:gridCol>
+                <a:gridCol w="656306">
+                  <a:extLst>
+                    <a:ext uri="{9D8B030D-6E8A-4147-A177-3AD203B41FA5}">
+                      <a16:colId xmlns:a16="http://schemas.microsoft.com/office/drawing/2014/main" val="1874990361"/>
+                    </a:ext>
+                  </a:extLst>
+                </a:gridCol>
+              </a:tblGrid>
+              <a:tr h="339756">
+                <a:tc>
+                  <a:txBody>
+                    <a:bodyPr/>
+                    <a:lstStyle/>
+                    <a:p>
+                      <a:r>
+                        <a:rPr kumimoji="1" lang="ja-JP" altLang="en-US" dirty="0" smtClean="0"/>
+                        <a:t>単語</a:t>
+                      </a:r>
+                      <a:endParaRPr kumimoji="1" lang="ja-JP" altLang="en-US" dirty="0"/>
+                    </a:p>
+                  </a:txBody>
+                  <a:tcPr/>
+                </a:tc>
+                <a:tc>
+                  <a:txBody>
+                    <a:bodyPr/>
+                    <a:lstStyle/>
+                    <a:p>
+                      <a:r>
+                        <a:rPr kumimoji="1" lang="en-US" altLang="ja-JP" dirty="0" smtClean="0"/>
+                        <a:t>1</a:t>
+                      </a:r>
+                      <a:endParaRPr kumimoji="1" lang="ja-JP" altLang="en-US" dirty="0"/>
+                    </a:p>
+                  </a:txBody>
+                  <a:tcPr/>
+                </a:tc>
+                <a:tc>
+                  <a:txBody>
+                    <a:bodyPr/>
+                    <a:lstStyle/>
+                    <a:p>
+                      <a:r>
+                        <a:rPr kumimoji="1" lang="en-US" altLang="ja-JP" dirty="0" smtClean="0"/>
+                        <a:t>2</a:t>
+                      </a:r>
+                      <a:endParaRPr kumimoji="1" lang="ja-JP" altLang="en-US" dirty="0"/>
+                    </a:p>
+                  </a:txBody>
+                  <a:tcPr/>
+                </a:tc>
+                <a:tc>
+                  <a:txBody>
+                    <a:bodyPr/>
+                    <a:lstStyle/>
+                    <a:p>
+                      <a:r>
+                        <a:rPr kumimoji="1" lang="en-US" altLang="ja-JP" dirty="0" smtClean="0"/>
+                        <a:t>3</a:t>
+                      </a:r>
+                      <a:endParaRPr kumimoji="1" lang="ja-JP" altLang="en-US" dirty="0"/>
+                    </a:p>
+                  </a:txBody>
+                  <a:tcPr/>
+                </a:tc>
+                <a:tc>
+                  <a:txBody>
+                    <a:bodyPr/>
+                    <a:lstStyle/>
+                    <a:p>
+                      <a:r>
+                        <a:rPr kumimoji="1" lang="en-US" altLang="ja-JP" dirty="0" smtClean="0"/>
+                        <a:t>4</a:t>
+                      </a:r>
+                      <a:endParaRPr kumimoji="1" lang="ja-JP" altLang="en-US" dirty="0"/>
+                    </a:p>
+                  </a:txBody>
+                  <a:tcPr/>
+                </a:tc>
+                <a:tc>
+                  <a:txBody>
+                    <a:bodyPr/>
+                    <a:lstStyle/>
+                    <a:p>
+                      <a:r>
+                        <a:rPr kumimoji="1" lang="en-US" altLang="ja-JP" dirty="0" smtClean="0"/>
+                        <a:t>5</a:t>
+                      </a:r>
+                      <a:endParaRPr kumimoji="1" lang="ja-JP" altLang="en-US" dirty="0"/>
+                    </a:p>
+                  </a:txBody>
+                  <a:tcPr/>
+                </a:tc>
+                <a:extLst>
+                  <a:ext uri="{0D108BD9-81ED-4DB2-BD59-A6C34878D82A}">
+                    <a16:rowId xmlns:a16="http://schemas.microsoft.com/office/drawing/2014/main" val="1008003993"/>
+                  </a:ext>
+                </a:extLst>
+              </a:tr>
+              <a:tr h="339756">
+                <a:tc>
+                  <a:txBody>
+                    <a:bodyPr/>
+                    <a:lstStyle/>
+                    <a:p>
+                      <a:r>
+                        <a:rPr kumimoji="1" lang="en-US" altLang="ja-JP" dirty="0" smtClean="0"/>
+                        <a:t>“female”</a:t>
+                      </a:r>
+                      <a:endParaRPr kumimoji="1" lang="ja-JP" altLang="en-US" dirty="0"/>
+                    </a:p>
+                  </a:txBody>
+                  <a:tcPr/>
+                </a:tc>
+                <a:tc>
+                  <a:txBody>
+                    <a:bodyPr/>
+                    <a:lstStyle/>
+                    <a:p>
+                      <a:r>
+                        <a:rPr kumimoji="1" lang="en-US" altLang="ja-JP" dirty="0" smtClean="0"/>
+                        <a:t>2.6</a:t>
+                      </a:r>
+                      <a:endParaRPr kumimoji="1" lang="ja-JP" altLang="en-US" dirty="0"/>
+                    </a:p>
+                  </a:txBody>
+                  <a:tcPr/>
+                </a:tc>
+                <a:tc>
+                  <a:txBody>
+                    <a:bodyPr/>
+                    <a:lstStyle/>
+                    <a:p>
+                      <a:r>
+                        <a:rPr kumimoji="1" lang="en-US" altLang="ja-JP" dirty="0" smtClean="0"/>
+                        <a:t>7.2</a:t>
+                      </a:r>
+                      <a:endParaRPr kumimoji="1" lang="ja-JP" altLang="en-US" dirty="0"/>
+                    </a:p>
+                  </a:txBody>
+                  <a:tcPr/>
+                </a:tc>
+                <a:tc>
+                  <a:txBody>
+                    <a:bodyPr/>
+                    <a:lstStyle/>
+                    <a:p>
+                      <a:r>
+                        <a:rPr kumimoji="1" lang="en-US" altLang="ja-JP" dirty="0" smtClean="0"/>
+                        <a:t>9.4</a:t>
+                      </a:r>
+                      <a:endParaRPr kumimoji="1" lang="ja-JP" altLang="en-US" dirty="0"/>
+                    </a:p>
+                  </a:txBody>
+                  <a:tcPr/>
+                </a:tc>
+                <a:tc>
+                  <a:txBody>
+                    <a:bodyPr/>
+                    <a:lstStyle/>
+                    <a:p>
+                      <a:r>
+                        <a:rPr kumimoji="1" lang="en-US" altLang="ja-JP" dirty="0" smtClean="0"/>
+                        <a:t>-5.1</a:t>
+                      </a:r>
+                      <a:endParaRPr kumimoji="1" lang="ja-JP" altLang="en-US" dirty="0"/>
+                    </a:p>
+                  </a:txBody>
+                  <a:tcPr/>
+                </a:tc>
+                <a:tc>
+                  <a:txBody>
+                    <a:bodyPr/>
+                    <a:lstStyle/>
+                    <a:p>
+                      <a:r>
+                        <a:rPr kumimoji="1" lang="en-US" altLang="ja-JP" dirty="0" smtClean="0"/>
+                        <a:t>3.7</a:t>
+                      </a:r>
+                      <a:endParaRPr kumimoji="1" lang="ja-JP" altLang="en-US" dirty="0"/>
+                    </a:p>
+                  </a:txBody>
+                  <a:tcPr/>
+                </a:tc>
+                <a:extLst>
+                  <a:ext uri="{0D108BD9-81ED-4DB2-BD59-A6C34878D82A}">
+                    <a16:rowId xmlns:a16="http://schemas.microsoft.com/office/drawing/2014/main" val="2690828569"/>
+                  </a:ext>
+                </a:extLst>
+              </a:tr>
+              <a:tr h="339756">
+                <a:tc>
+                  <a:txBody>
+                    <a:bodyPr/>
+                    <a:lstStyle/>
+                    <a:p>
+                      <a:r>
+                        <a:rPr kumimoji="1" lang="en-US" altLang="ja-JP" dirty="0" smtClean="0"/>
+                        <a:t>:</a:t>
+                      </a:r>
+                      <a:endParaRPr kumimoji="1" lang="ja-JP" altLang="en-US" dirty="0"/>
+                    </a:p>
+                  </a:txBody>
+                  <a:tcPr/>
+                </a:tc>
+                <a:tc>
+                  <a:txBody>
+                    <a:bodyPr/>
+                    <a:lstStyle/>
+                    <a:p>
+                      <a:endParaRPr kumimoji="1" lang="ja-JP" altLang="en-US" dirty="0"/>
+                    </a:p>
+                  </a:txBody>
+                  <a:tcPr/>
+                </a:tc>
+                <a:tc>
+                  <a:txBody>
+                    <a:bodyPr/>
+                    <a:lstStyle/>
+                    <a:p>
+                      <a:endParaRPr kumimoji="1" lang="ja-JP" altLang="en-US" dirty="0"/>
+                    </a:p>
+                  </a:txBody>
+                  <a:tcPr/>
+                </a:tc>
+                <a:tc>
+                  <a:txBody>
+                    <a:bodyPr/>
+                    <a:lstStyle/>
+                    <a:p>
+                      <a:endParaRPr kumimoji="1" lang="ja-JP" altLang="en-US" dirty="0"/>
+                    </a:p>
+                  </a:txBody>
+                  <a:tcPr/>
+                </a:tc>
+                <a:tc>
+                  <a:txBody>
+                    <a:bodyPr/>
+                    <a:lstStyle/>
+                    <a:p>
+                      <a:endParaRPr kumimoji="1" lang="ja-JP" altLang="en-US" dirty="0"/>
+                    </a:p>
+                  </a:txBody>
+                  <a:tcPr/>
+                </a:tc>
+                <a:tc>
+                  <a:txBody>
+                    <a:bodyPr/>
+                    <a:lstStyle/>
+                    <a:p>
+                      <a:endParaRPr kumimoji="1" lang="ja-JP" altLang="en-US" dirty="0"/>
+                    </a:p>
+                  </a:txBody>
+                  <a:tcPr/>
+                </a:tc>
+                <a:extLst>
+                  <a:ext uri="{0D108BD9-81ED-4DB2-BD59-A6C34878D82A}">
+                    <a16:rowId xmlns:a16="http://schemas.microsoft.com/office/drawing/2014/main" val="3314714258"/>
+                  </a:ext>
+                </a:extLst>
+              </a:tr>
+              <a:tr h="339756">
+                <a:tc>
+                  <a:txBody>
+                    <a:bodyPr/>
+                    <a:lstStyle/>
+                    <a:p>
+                      <a:r>
+                        <a:rPr kumimoji="1" lang="en-US" altLang="ja-JP" dirty="0" smtClean="0"/>
+                        <a:t>“king”</a:t>
+                      </a:r>
+                      <a:endParaRPr kumimoji="1" lang="ja-JP" altLang="en-US" dirty="0"/>
+                    </a:p>
+                  </a:txBody>
+                  <a:tcPr/>
+                </a:tc>
+                <a:tc>
+                  <a:txBody>
+                    <a:bodyPr/>
+                    <a:lstStyle/>
+                    <a:p>
+                      <a:r>
+                        <a:rPr kumimoji="1" lang="en-US" altLang="ja-JP" dirty="0" smtClean="0"/>
+                        <a:t>1.2</a:t>
+                      </a:r>
+                      <a:endParaRPr kumimoji="1" lang="ja-JP" altLang="en-US" dirty="0"/>
+                    </a:p>
+                  </a:txBody>
+                  <a:tcPr/>
+                </a:tc>
+                <a:tc>
+                  <a:txBody>
+                    <a:bodyPr/>
+                    <a:lstStyle/>
+                    <a:p>
+                      <a:r>
+                        <a:rPr kumimoji="1" lang="en-US" altLang="ja-JP" dirty="0" smtClean="0"/>
+                        <a:t>5.5</a:t>
+                      </a:r>
+                      <a:endParaRPr kumimoji="1" lang="ja-JP" altLang="en-US" dirty="0"/>
+                    </a:p>
+                  </a:txBody>
+                  <a:tcPr/>
+                </a:tc>
+                <a:tc>
+                  <a:txBody>
+                    <a:bodyPr/>
+                    <a:lstStyle/>
+                    <a:p>
+                      <a:r>
+                        <a:rPr kumimoji="1" lang="en-US" altLang="ja-JP" dirty="0" smtClean="0"/>
+                        <a:t>1.5</a:t>
+                      </a:r>
+                      <a:endParaRPr kumimoji="1" lang="ja-JP" altLang="en-US" dirty="0"/>
+                    </a:p>
+                  </a:txBody>
+                  <a:tcPr/>
+                </a:tc>
+                <a:tc>
+                  <a:txBody>
+                    <a:bodyPr/>
+                    <a:lstStyle/>
+                    <a:p>
+                      <a:r>
+                        <a:rPr kumimoji="1" lang="en-US" altLang="ja-JP" dirty="0" smtClean="0"/>
+                        <a:t>-8.2</a:t>
+                      </a:r>
+                      <a:endParaRPr kumimoji="1" lang="ja-JP" altLang="en-US" dirty="0"/>
+                    </a:p>
+                  </a:txBody>
+                  <a:tcPr/>
+                </a:tc>
+                <a:tc>
+                  <a:txBody>
+                    <a:bodyPr/>
+                    <a:lstStyle/>
+                    <a:p>
+                      <a:r>
+                        <a:rPr kumimoji="1" lang="en-US" altLang="ja-JP" dirty="0" smtClean="0"/>
+                        <a:t>1.5</a:t>
+                      </a:r>
+                      <a:endParaRPr kumimoji="1" lang="ja-JP" altLang="en-US" dirty="0"/>
+                    </a:p>
+                  </a:txBody>
+                  <a:tcPr/>
+                </a:tc>
+                <a:extLst>
+                  <a:ext uri="{0D108BD9-81ED-4DB2-BD59-A6C34878D82A}">
+                    <a16:rowId xmlns:a16="http://schemas.microsoft.com/office/drawing/2014/main" val="2993980002"/>
+                  </a:ext>
+                </a:extLst>
+              </a:tr>
+              <a:tr h="339756">
+                <a:tc>
+                  <a:txBody>
+                    <a:bodyPr/>
+                    <a:lstStyle/>
+                    <a:p>
+                      <a:r>
+                        <a:rPr kumimoji="1" lang="en-US" altLang="ja-JP" dirty="0" smtClean="0"/>
+                        <a:t>:</a:t>
+                      </a:r>
+                      <a:endParaRPr kumimoji="1" lang="ja-JP" altLang="en-US" dirty="0"/>
+                    </a:p>
+                  </a:txBody>
+                  <a:tcPr/>
+                </a:tc>
+                <a:tc>
+                  <a:txBody>
+                    <a:bodyPr/>
+                    <a:lstStyle/>
+                    <a:p>
+                      <a:endParaRPr kumimoji="1" lang="ja-JP" altLang="en-US" dirty="0"/>
+                    </a:p>
+                  </a:txBody>
+                  <a:tcPr/>
+                </a:tc>
+                <a:tc>
+                  <a:txBody>
+                    <a:bodyPr/>
+                    <a:lstStyle/>
+                    <a:p>
+                      <a:endParaRPr kumimoji="1" lang="ja-JP" altLang="en-US" dirty="0"/>
+                    </a:p>
+                  </a:txBody>
+                  <a:tcPr/>
+                </a:tc>
+                <a:tc>
+                  <a:txBody>
+                    <a:bodyPr/>
+                    <a:lstStyle/>
+                    <a:p>
+                      <a:endParaRPr kumimoji="1" lang="ja-JP" altLang="en-US" dirty="0"/>
+                    </a:p>
+                  </a:txBody>
+                  <a:tcPr/>
+                </a:tc>
+                <a:tc>
+                  <a:txBody>
+                    <a:bodyPr/>
+                    <a:lstStyle/>
+                    <a:p>
+                      <a:endParaRPr kumimoji="1" lang="ja-JP" altLang="en-US" dirty="0"/>
+                    </a:p>
+                  </a:txBody>
+                  <a:tcPr/>
+                </a:tc>
+                <a:tc>
+                  <a:txBody>
+                    <a:bodyPr/>
+                    <a:lstStyle/>
+                    <a:p>
+                      <a:endParaRPr kumimoji="1" lang="ja-JP" altLang="en-US" dirty="0"/>
+                    </a:p>
+                  </a:txBody>
+                  <a:tcPr/>
+                </a:tc>
+                <a:extLst>
+                  <a:ext uri="{0D108BD9-81ED-4DB2-BD59-A6C34878D82A}">
+                    <a16:rowId xmlns:a16="http://schemas.microsoft.com/office/drawing/2014/main" val="4115521640"/>
+                  </a:ext>
+                </a:extLst>
+              </a:tr>
+              <a:tr h="339756">
+                <a:tc>
+                  <a:txBody>
+                    <a:bodyPr/>
+                    <a:lstStyle/>
+                    <a:p>
+                      <a:r>
+                        <a:rPr kumimoji="1" lang="en-US" altLang="ja-JP" dirty="0" smtClean="0"/>
+                        <a:t>“male”</a:t>
+                      </a:r>
+                      <a:endParaRPr kumimoji="1" lang="ja-JP" altLang="en-US" dirty="0"/>
+                    </a:p>
+                  </a:txBody>
+                  <a:tcPr/>
+                </a:tc>
+                <a:tc>
+                  <a:txBody>
+                    <a:bodyPr/>
+                    <a:lstStyle/>
+                    <a:p>
+                      <a:r>
+                        <a:rPr kumimoji="1" lang="en-US" altLang="ja-JP" dirty="0" smtClean="0"/>
+                        <a:t>1.9</a:t>
+                      </a:r>
+                      <a:endParaRPr kumimoji="1" lang="ja-JP" altLang="en-US" dirty="0"/>
+                    </a:p>
+                  </a:txBody>
+                  <a:tcPr/>
+                </a:tc>
+                <a:tc>
+                  <a:txBody>
+                    <a:bodyPr/>
+                    <a:lstStyle/>
+                    <a:p>
+                      <a:r>
+                        <a:rPr kumimoji="1" lang="en-US" altLang="ja-JP" dirty="0" smtClean="0"/>
+                        <a:t>5.1</a:t>
+                      </a:r>
+                      <a:endParaRPr kumimoji="1" lang="ja-JP" altLang="en-US" dirty="0"/>
+                    </a:p>
+                  </a:txBody>
+                  <a:tcPr/>
+                </a:tc>
+                <a:tc>
+                  <a:txBody>
+                    <a:bodyPr/>
+                    <a:lstStyle/>
+                    <a:p>
+                      <a:r>
+                        <a:rPr kumimoji="1" lang="en-US" altLang="ja-JP" dirty="0" smtClean="0"/>
+                        <a:t>1.0</a:t>
+                      </a:r>
+                      <a:endParaRPr kumimoji="1" lang="ja-JP" altLang="en-US" dirty="0"/>
+                    </a:p>
+                  </a:txBody>
+                  <a:tcPr/>
+                </a:tc>
+                <a:tc>
+                  <a:txBody>
+                    <a:bodyPr/>
+                    <a:lstStyle/>
+                    <a:p>
+                      <a:r>
+                        <a:rPr kumimoji="1" lang="en-US" altLang="ja-JP" dirty="0" smtClean="0"/>
+                        <a:t>-7.5</a:t>
+                      </a:r>
+                      <a:endParaRPr kumimoji="1" lang="ja-JP" altLang="en-US" dirty="0"/>
+                    </a:p>
+                  </a:txBody>
+                  <a:tcPr/>
+                </a:tc>
+                <a:tc>
+                  <a:txBody>
+                    <a:bodyPr/>
+                    <a:lstStyle/>
+                    <a:p>
+                      <a:r>
+                        <a:rPr kumimoji="1" lang="en-US" altLang="ja-JP" dirty="0" smtClean="0"/>
+                        <a:t>5.1</a:t>
+                      </a:r>
+                      <a:endParaRPr kumimoji="1" lang="ja-JP" altLang="en-US" dirty="0"/>
+                    </a:p>
+                  </a:txBody>
+                  <a:tcPr/>
+                </a:tc>
+                <a:extLst>
+                  <a:ext uri="{0D108BD9-81ED-4DB2-BD59-A6C34878D82A}">
+                    <a16:rowId xmlns:a16="http://schemas.microsoft.com/office/drawing/2014/main" val="834541886"/>
+                  </a:ext>
+                </a:extLst>
+              </a:tr>
+              <a:tr h="339756">
+                <a:tc>
+                  <a:txBody>
+                    <a:bodyPr/>
+                    <a:lstStyle/>
+                    <a:p>
+                      <a:r>
+                        <a:rPr kumimoji="1" lang="en-US" altLang="ja-JP" dirty="0" smtClean="0"/>
+                        <a:t>:</a:t>
+                      </a:r>
+                      <a:endParaRPr kumimoji="1" lang="ja-JP" altLang="en-US" dirty="0"/>
+                    </a:p>
+                  </a:txBody>
+                  <a:tcPr/>
+                </a:tc>
+                <a:tc>
+                  <a:txBody>
+                    <a:bodyPr/>
+                    <a:lstStyle/>
+                    <a:p>
+                      <a:endParaRPr kumimoji="1" lang="ja-JP" altLang="en-US" dirty="0"/>
+                    </a:p>
+                  </a:txBody>
+                  <a:tcPr/>
+                </a:tc>
+                <a:tc>
+                  <a:txBody>
+                    <a:bodyPr/>
+                    <a:lstStyle/>
+                    <a:p>
+                      <a:endParaRPr kumimoji="1" lang="ja-JP" altLang="en-US" dirty="0"/>
+                    </a:p>
+                  </a:txBody>
+                  <a:tcPr/>
+                </a:tc>
+                <a:tc>
+                  <a:txBody>
+                    <a:bodyPr/>
+                    <a:lstStyle/>
+                    <a:p>
+                      <a:endParaRPr kumimoji="1" lang="ja-JP" altLang="en-US" dirty="0"/>
+                    </a:p>
+                  </a:txBody>
+                  <a:tcPr/>
+                </a:tc>
+                <a:tc>
+                  <a:txBody>
+                    <a:bodyPr/>
+                    <a:lstStyle/>
+                    <a:p>
+                      <a:endParaRPr kumimoji="1" lang="ja-JP" altLang="en-US" dirty="0"/>
+                    </a:p>
+                  </a:txBody>
+                  <a:tcPr/>
+                </a:tc>
+                <a:tc>
+                  <a:txBody>
+                    <a:bodyPr/>
+                    <a:lstStyle/>
+                    <a:p>
+                      <a:endParaRPr kumimoji="1" lang="ja-JP" altLang="en-US" dirty="0"/>
+                    </a:p>
+                  </a:txBody>
+                  <a:tcPr/>
+                </a:tc>
+                <a:extLst>
+                  <a:ext uri="{0D108BD9-81ED-4DB2-BD59-A6C34878D82A}">
+                    <a16:rowId xmlns:a16="http://schemas.microsoft.com/office/drawing/2014/main" val="1087337721"/>
+                  </a:ext>
+                </a:extLst>
+              </a:tr>
+              <a:tr h="339756">
+                <a:tc>
+                  <a:txBody>
+                    <a:bodyPr/>
+                    <a:lstStyle/>
+                    <a:p>
+                      <a:r>
+                        <a:rPr kumimoji="1" lang="en-US" altLang="ja-JP" dirty="0" smtClean="0"/>
+                        <a:t>“queen”</a:t>
+                      </a:r>
+                      <a:endParaRPr kumimoji="1" lang="ja-JP" altLang="en-US" dirty="0"/>
+                    </a:p>
+                  </a:txBody>
+                  <a:tcPr/>
+                </a:tc>
+                <a:tc>
+                  <a:txBody>
+                    <a:bodyPr/>
+                    <a:lstStyle/>
+                    <a:p>
+                      <a:r>
+                        <a:rPr kumimoji="1" lang="en-US" altLang="ja-JP" dirty="0" smtClean="0"/>
+                        <a:t>1.8</a:t>
+                      </a:r>
+                      <a:endParaRPr kumimoji="1" lang="ja-JP" altLang="en-US" dirty="0"/>
+                    </a:p>
+                  </a:txBody>
+                  <a:tcPr/>
+                </a:tc>
+                <a:tc>
+                  <a:txBody>
+                    <a:bodyPr/>
+                    <a:lstStyle/>
+                    <a:p>
+                      <a:r>
+                        <a:rPr kumimoji="1" lang="en-US" altLang="ja-JP" dirty="0" smtClean="0"/>
+                        <a:t>7.9</a:t>
+                      </a:r>
+                      <a:endParaRPr kumimoji="1" lang="ja-JP" altLang="en-US" dirty="0"/>
+                    </a:p>
+                  </a:txBody>
+                  <a:tcPr/>
+                </a:tc>
+                <a:tc>
+                  <a:txBody>
+                    <a:bodyPr/>
+                    <a:lstStyle/>
+                    <a:p>
+                      <a:r>
+                        <a:rPr kumimoji="1" lang="en-US" altLang="ja-JP" dirty="0" smtClean="0"/>
+                        <a:t>9.4</a:t>
+                      </a:r>
+                      <a:endParaRPr kumimoji="1" lang="ja-JP" altLang="en-US" dirty="0"/>
+                    </a:p>
+                  </a:txBody>
+                  <a:tcPr/>
+                </a:tc>
+                <a:tc>
+                  <a:txBody>
+                    <a:bodyPr/>
+                    <a:lstStyle/>
+                    <a:p>
+                      <a:r>
+                        <a:rPr kumimoji="1" lang="en-US" altLang="ja-JP" dirty="0" smtClean="0"/>
+                        <a:t>-6.2</a:t>
+                      </a:r>
+                      <a:endParaRPr kumimoji="1" lang="ja-JP" altLang="en-US" dirty="0"/>
+                    </a:p>
+                  </a:txBody>
+                  <a:tcPr/>
+                </a:tc>
+                <a:tc>
+                  <a:txBody>
+                    <a:bodyPr/>
+                    <a:lstStyle/>
+                    <a:p>
+                      <a:r>
+                        <a:rPr kumimoji="1" lang="en-US" altLang="ja-JP" dirty="0" smtClean="0"/>
+                        <a:t>-0.1</a:t>
+                      </a:r>
+                      <a:endParaRPr kumimoji="1" lang="ja-JP" altLang="en-US" dirty="0"/>
+                    </a:p>
+                  </a:txBody>
+                  <a:tcPr/>
+                </a:tc>
+                <a:extLst>
+                  <a:ext uri="{0D108BD9-81ED-4DB2-BD59-A6C34878D82A}">
+                    <a16:rowId xmlns:a16="http://schemas.microsoft.com/office/drawing/2014/main" val="399562618"/>
+                  </a:ext>
+                </a:extLst>
+              </a:tr>
+              <a:tr h="339756">
+                <a:tc>
+                  <a:txBody>
+                    <a:bodyPr/>
+                    <a:lstStyle/>
+                    <a:p>
+                      <a:r>
+                        <a:rPr kumimoji="1" lang="en-US" altLang="ja-JP" dirty="0" smtClean="0"/>
+                        <a:t>:</a:t>
+                      </a:r>
+                      <a:endParaRPr kumimoji="1" lang="ja-JP" altLang="en-US" dirty="0"/>
+                    </a:p>
+                  </a:txBody>
+                  <a:tcPr/>
+                </a:tc>
+                <a:tc>
+                  <a:txBody>
+                    <a:bodyPr/>
+                    <a:lstStyle/>
+                    <a:p>
+                      <a:endParaRPr kumimoji="1" lang="ja-JP" altLang="en-US" dirty="0"/>
+                    </a:p>
+                  </a:txBody>
+                  <a:tcPr/>
+                </a:tc>
+                <a:tc>
+                  <a:txBody>
+                    <a:bodyPr/>
+                    <a:lstStyle/>
+                    <a:p>
+                      <a:endParaRPr kumimoji="1" lang="ja-JP" altLang="en-US" dirty="0"/>
+                    </a:p>
+                  </a:txBody>
+                  <a:tcPr/>
+                </a:tc>
+                <a:tc>
+                  <a:txBody>
+                    <a:bodyPr/>
+                    <a:lstStyle/>
+                    <a:p>
+                      <a:endParaRPr kumimoji="1" lang="ja-JP" altLang="en-US" dirty="0"/>
+                    </a:p>
+                  </a:txBody>
+                  <a:tcPr/>
+                </a:tc>
+                <a:tc>
+                  <a:txBody>
+                    <a:bodyPr/>
+                    <a:lstStyle/>
+                    <a:p>
+                      <a:endParaRPr kumimoji="1" lang="ja-JP" altLang="en-US" dirty="0"/>
+                    </a:p>
+                  </a:txBody>
+                  <a:tcPr/>
+                </a:tc>
+                <a:tc>
+                  <a:txBody>
+                    <a:bodyPr/>
+                    <a:lstStyle/>
+                    <a:p>
+                      <a:endParaRPr kumimoji="1" lang="ja-JP" altLang="en-US" dirty="0"/>
+                    </a:p>
+                  </a:txBody>
+                  <a:tcPr/>
+                </a:tc>
+                <a:extLst>
+                  <a:ext uri="{0D108BD9-81ED-4DB2-BD59-A6C34878D82A}">
+                    <a16:rowId xmlns:a16="http://schemas.microsoft.com/office/drawing/2014/main" val="1988504026"/>
+                  </a:ext>
+                </a:extLst>
+              </a:tr>
+            </a:tbl>
+          </a:graphicData>
+        </a:graphic>
+      </p:graphicFrame>
+      <p:sp>
+        <p:nvSpPr>
+          <p:cNvPr id="11" name="テキスト ボックス 10"/>
+          <p:cNvSpPr txBox="1"/>
+          <p:nvPr/>
+        </p:nvSpPr>
+        <p:spPr>
+          <a:xfrm>
+            <a:off x="406400" y="4469414"/>
+            <a:ext cx="4783188" cy="246221"/>
+          </a:xfrm>
+          <a:prstGeom prst="rect">
+            <a:avLst/>
+          </a:prstGeom>
+          <a:noFill/>
+          <a:ln>
+            <a:solidFill>
+              <a:schemeClr val="tx1"/>
+            </a:solidFill>
+          </a:ln>
+        </p:spPr>
+        <p:txBody>
+          <a:bodyPr wrap="square" lIns="0" tIns="0" rIns="0" bIns="0" rtlCol="0">
+            <a:spAutoFit/>
+          </a:bodyPr>
+          <a:lstStyle/>
+          <a:p>
+            <a:pPr>
+              <a:spcBef>
+                <a:spcPts val="600"/>
+              </a:spcBef>
+              <a:buClr>
+                <a:schemeClr val="accent1"/>
+              </a:buClr>
+            </a:pPr>
+            <a:r>
+              <a:rPr kumimoji="1" lang="en-US" altLang="ja-JP" sz="1600" noProof="0" dirty="0" smtClean="0"/>
+              <a:t>“king” – “male” + “female” = (1.9, 7.6, 9.9 -5.8, 0.1)</a:t>
+            </a:r>
+            <a:endParaRPr kumimoji="1" lang="ja-JP" altLang="en-US" sz="1600" noProof="0" dirty="0" err="1" smtClean="0"/>
+          </a:p>
+        </p:txBody>
+      </p:sp>
     </p:spTree>
     <p:extLst>
       <p:ext uri="{BB962C8B-B14F-4D97-AF65-F5344CB8AC3E}">
@@ -48814,9 +51690,364 @@
   <p:timing>
     <p:tnLst>
       <p:par>
-        <p:cTn id="1" dur="indefinite" restart="never" nodeType="tmRoot"/>
+        <p:cTn id="1" dur="indefinite" restart="never" nodeType="tmRoot">
+          <p:childTnLst>
+            <p:seq concurrent="1" nextAc="seek">
+              <p:cTn id="2" dur="indefinite" nodeType="mainSeq">
+                <p:childTnLst>
+                  <p:par>
+                    <p:cTn id="3" fill="hold">
+                      <p:stCondLst>
+                        <p:cond delay="indefinite"/>
+                      </p:stCondLst>
+                      <p:childTnLst>
+                        <p:par>
+                          <p:cTn id="4" fill="hold">
+                            <p:stCondLst>
+                              <p:cond delay="0"/>
+                            </p:stCondLst>
+                            <p:childTnLst>
+                              <p:par>
+                                <p:cTn id="5" presetID="2" presetClass="entr" presetSubtype="4" fill="hold" grpId="0" nodeType="clickEffect">
+                                  <p:stCondLst>
+                                    <p:cond delay="0"/>
+                                  </p:stCondLst>
+                                  <p:childTnLst>
+                                    <p:set>
+                                      <p:cBhvr>
+                                        <p:cTn id="6" dur="1" fill="hold">
+                                          <p:stCondLst>
+                                            <p:cond delay="0"/>
+                                          </p:stCondLst>
+                                        </p:cTn>
+                                        <p:tgtEl>
+                                          <p:spTgt spid="8"/>
+                                        </p:tgtEl>
+                                        <p:attrNameLst>
+                                          <p:attrName>style.visibility</p:attrName>
+                                        </p:attrNameLst>
+                                      </p:cBhvr>
+                                      <p:to>
+                                        <p:strVal val="visible"/>
+                                      </p:to>
+                                    </p:set>
+                                    <p:anim calcmode="lin" valueType="num">
+                                      <p:cBhvr additive="base">
+                                        <p:cTn id="7" dur="500" fill="hold"/>
+                                        <p:tgtEl>
+                                          <p:spTgt spid="8"/>
+                                        </p:tgtEl>
+                                        <p:attrNameLst>
+                                          <p:attrName>ppt_x</p:attrName>
+                                        </p:attrNameLst>
+                                      </p:cBhvr>
+                                      <p:tavLst>
+                                        <p:tav tm="0">
+                                          <p:val>
+                                            <p:strVal val="#ppt_x"/>
+                                          </p:val>
+                                        </p:tav>
+                                        <p:tav tm="100000">
+                                          <p:val>
+                                            <p:strVal val="#ppt_x"/>
+                                          </p:val>
+                                        </p:tav>
+                                      </p:tavLst>
+                                    </p:anim>
+                                    <p:anim calcmode="lin" valueType="num">
+                                      <p:cBhvr additive="base">
+                                        <p:cTn id="8" dur="500" fill="hold"/>
+                                        <p:tgtEl>
+                                          <p:spTgt spid="8"/>
+                                        </p:tgtEl>
+                                        <p:attrNameLst>
+                                          <p:attrName>ppt_y</p:attrName>
+                                        </p:attrNameLst>
+                                      </p:cBhvr>
+                                      <p:tavLst>
+                                        <p:tav tm="0">
+                                          <p:val>
+                                            <p:strVal val="1+#ppt_h/2"/>
+                                          </p:val>
+                                        </p:tav>
+                                        <p:tav tm="100000">
+                                          <p:val>
+                                            <p:strVal val="#ppt_y"/>
+                                          </p:val>
+                                        </p:tav>
+                                      </p:tavLst>
+                                    </p:anim>
+                                  </p:childTnLst>
+                                </p:cTn>
+                              </p:par>
+                              <p:par>
+                                <p:cTn id="9" presetID="2" presetClass="entr" presetSubtype="4" fill="hold" nodeType="withEffect">
+                                  <p:stCondLst>
+                                    <p:cond delay="0"/>
+                                  </p:stCondLst>
+                                  <p:childTnLst>
+                                    <p:set>
+                                      <p:cBhvr>
+                                        <p:cTn id="10" dur="1" fill="hold">
+                                          <p:stCondLst>
+                                            <p:cond delay="0"/>
+                                          </p:stCondLst>
+                                        </p:cTn>
+                                        <p:tgtEl>
+                                          <p:spTgt spid="9"/>
+                                        </p:tgtEl>
+                                        <p:attrNameLst>
+                                          <p:attrName>style.visibility</p:attrName>
+                                        </p:attrNameLst>
+                                      </p:cBhvr>
+                                      <p:to>
+                                        <p:strVal val="visible"/>
+                                      </p:to>
+                                    </p:set>
+                                    <p:anim calcmode="lin" valueType="num">
+                                      <p:cBhvr additive="base">
+                                        <p:cTn id="11" dur="500" fill="hold"/>
+                                        <p:tgtEl>
+                                          <p:spTgt spid="9"/>
+                                        </p:tgtEl>
+                                        <p:attrNameLst>
+                                          <p:attrName>ppt_x</p:attrName>
+                                        </p:attrNameLst>
+                                      </p:cBhvr>
+                                      <p:tavLst>
+                                        <p:tav tm="0">
+                                          <p:val>
+                                            <p:strVal val="#ppt_x"/>
+                                          </p:val>
+                                        </p:tav>
+                                        <p:tav tm="100000">
+                                          <p:val>
+                                            <p:strVal val="#ppt_x"/>
+                                          </p:val>
+                                        </p:tav>
+                                      </p:tavLst>
+                                    </p:anim>
+                                    <p:anim calcmode="lin" valueType="num">
+                                      <p:cBhvr additive="base">
+                                        <p:cTn id="12" dur="500" fill="hold"/>
+                                        <p:tgtEl>
+                                          <p:spTgt spid="9"/>
+                                        </p:tgtEl>
+                                        <p:attrNameLst>
+                                          <p:attrName>ppt_y</p:attrName>
+                                        </p:attrNameLst>
+                                      </p:cBhvr>
+                                      <p:tavLst>
+                                        <p:tav tm="0">
+                                          <p:val>
+                                            <p:strVal val="1+#ppt_h/2"/>
+                                          </p:val>
+                                        </p:tav>
+                                        <p:tav tm="100000">
+                                          <p:val>
+                                            <p:strVal val="#ppt_y"/>
+                                          </p:val>
+                                        </p:tav>
+                                      </p:tavLst>
+                                    </p:anim>
+                                  </p:childTnLst>
+                                </p:cTn>
+                              </p:par>
+                            </p:childTnLst>
+                          </p:cTn>
+                        </p:par>
+                      </p:childTnLst>
+                    </p:cTn>
+                  </p:par>
+                  <p:par>
+                    <p:cTn id="13" fill="hold">
+                      <p:stCondLst>
+                        <p:cond delay="indefinite"/>
+                      </p:stCondLst>
+                      <p:childTnLst>
+                        <p:par>
+                          <p:cTn id="14" fill="hold">
+                            <p:stCondLst>
+                              <p:cond delay="0"/>
+                            </p:stCondLst>
+                            <p:childTnLst>
+                              <p:par>
+                                <p:cTn id="15" presetID="2" presetClass="entr" presetSubtype="4" fill="hold" nodeType="clickEffect">
+                                  <p:stCondLst>
+                                    <p:cond delay="0"/>
+                                  </p:stCondLst>
+                                  <p:childTnLst>
+                                    <p:set>
+                                      <p:cBhvr>
+                                        <p:cTn id="16" dur="1" fill="hold">
+                                          <p:stCondLst>
+                                            <p:cond delay="0"/>
+                                          </p:stCondLst>
+                                        </p:cTn>
+                                        <p:tgtEl>
+                                          <p:spTgt spid="10"/>
+                                        </p:tgtEl>
+                                        <p:attrNameLst>
+                                          <p:attrName>style.visibility</p:attrName>
+                                        </p:attrNameLst>
+                                      </p:cBhvr>
+                                      <p:to>
+                                        <p:strVal val="visible"/>
+                                      </p:to>
+                                    </p:set>
+                                    <p:anim calcmode="lin" valueType="num">
+                                      <p:cBhvr additive="base">
+                                        <p:cTn id="17" dur="500" fill="hold"/>
+                                        <p:tgtEl>
+                                          <p:spTgt spid="10"/>
+                                        </p:tgtEl>
+                                        <p:attrNameLst>
+                                          <p:attrName>ppt_x</p:attrName>
+                                        </p:attrNameLst>
+                                      </p:cBhvr>
+                                      <p:tavLst>
+                                        <p:tav tm="0">
+                                          <p:val>
+                                            <p:strVal val="#ppt_x"/>
+                                          </p:val>
+                                        </p:tav>
+                                        <p:tav tm="100000">
+                                          <p:val>
+                                            <p:strVal val="#ppt_x"/>
+                                          </p:val>
+                                        </p:tav>
+                                      </p:tavLst>
+                                    </p:anim>
+                                    <p:anim calcmode="lin" valueType="num">
+                                      <p:cBhvr additive="base">
+                                        <p:cTn id="18" dur="500" fill="hold"/>
+                                        <p:tgtEl>
+                                          <p:spTgt spid="10"/>
+                                        </p:tgtEl>
+                                        <p:attrNameLst>
+                                          <p:attrName>ppt_y</p:attrName>
+                                        </p:attrNameLst>
+                                      </p:cBhvr>
+                                      <p:tavLst>
+                                        <p:tav tm="0">
+                                          <p:val>
+                                            <p:strVal val="1+#ppt_h/2"/>
+                                          </p:val>
+                                        </p:tav>
+                                        <p:tav tm="100000">
+                                          <p:val>
+                                            <p:strVal val="#ppt_y"/>
+                                          </p:val>
+                                        </p:tav>
+                                      </p:tavLst>
+                                    </p:anim>
+                                  </p:childTnLst>
+                                </p:cTn>
+                              </p:par>
+                              <p:par>
+                                <p:cTn id="19" presetID="2" presetClass="entr" presetSubtype="4" fill="hold" grpId="0" nodeType="withEffect">
+                                  <p:stCondLst>
+                                    <p:cond delay="0"/>
+                                  </p:stCondLst>
+                                  <p:childTnLst>
+                                    <p:set>
+                                      <p:cBhvr>
+                                        <p:cTn id="20" dur="1" fill="hold">
+                                          <p:stCondLst>
+                                            <p:cond delay="0"/>
+                                          </p:stCondLst>
+                                        </p:cTn>
+                                        <p:tgtEl>
+                                          <p:spTgt spid="11"/>
+                                        </p:tgtEl>
+                                        <p:attrNameLst>
+                                          <p:attrName>style.visibility</p:attrName>
+                                        </p:attrNameLst>
+                                      </p:cBhvr>
+                                      <p:to>
+                                        <p:strVal val="visible"/>
+                                      </p:to>
+                                    </p:set>
+                                    <p:anim calcmode="lin" valueType="num">
+                                      <p:cBhvr additive="base">
+                                        <p:cTn id="21" dur="500" fill="hold"/>
+                                        <p:tgtEl>
+                                          <p:spTgt spid="11"/>
+                                        </p:tgtEl>
+                                        <p:attrNameLst>
+                                          <p:attrName>ppt_x</p:attrName>
+                                        </p:attrNameLst>
+                                      </p:cBhvr>
+                                      <p:tavLst>
+                                        <p:tav tm="0">
+                                          <p:val>
+                                            <p:strVal val="#ppt_x"/>
+                                          </p:val>
+                                        </p:tav>
+                                        <p:tav tm="100000">
+                                          <p:val>
+                                            <p:strVal val="#ppt_x"/>
+                                          </p:val>
+                                        </p:tav>
+                                      </p:tavLst>
+                                    </p:anim>
+                                    <p:anim calcmode="lin" valueType="num">
+                                      <p:cBhvr additive="base">
+                                        <p:cTn id="22" dur="500" fill="hold"/>
+                                        <p:tgtEl>
+                                          <p:spTgt spid="11"/>
+                                        </p:tgtEl>
+                                        <p:attrNameLst>
+                                          <p:attrName>ppt_y</p:attrName>
+                                        </p:attrNameLst>
+                                      </p:cBhvr>
+                                      <p:tavLst>
+                                        <p:tav tm="0">
+                                          <p:val>
+                                            <p:strVal val="1+#ppt_h/2"/>
+                                          </p:val>
+                                        </p:tav>
+                                        <p:tav tm="100000">
+                                          <p:val>
+                                            <p:strVal val="#ppt_y"/>
+                                          </p:val>
+                                        </p:tav>
+                                      </p:tavLst>
+                                    </p:anim>
+                                  </p:childTnLst>
+                                </p:cTn>
+                              </p:par>
+                            </p:childTnLst>
+                          </p:cTn>
+                        </p:par>
+                      </p:childTnLst>
+                    </p:cTn>
+                  </p:par>
+                </p:childTnLst>
+              </p:cTn>
+              <p:prevCondLst>
+                <p:cond evt="onPrev" delay="0">
+                  <p:tgtEl>
+                    <p:sldTgt/>
+                  </p:tgtEl>
+                </p:cond>
+              </p:prevCondLst>
+              <p:nextCondLst>
+                <p:cond evt="onNext" delay="0">
+                  <p:tgtEl>
+                    <p:sldTgt/>
+                  </p:tgtEl>
+                </p:cond>
+              </p:nextCondLst>
+            </p:seq>
+          </p:childTnLst>
+        </p:cTn>
       </p:par>
     </p:tnLst>
+    <p:bldLst>
+      <p:bldP spid="8" grpId="0" animBg="1"/>
+      <p:bldP spid="11" grpId="0" animBg="1"/>
+    </p:bldLst>
   </p:timing>
 </p:sld>
 </file>
@@ -48978,7 +52209,7 @@
         <p:spPr>
           <a:xfrm>
             <a:off x="406400" y="1177200"/>
-            <a:ext cx="11376025" cy="4556056"/>
+            <a:ext cx="11376025" cy="4870220"/>
           </a:xfrm>
         </p:spPr>
         <p:txBody>
@@ -48987,141 +52218,284 @@
           <a:p>
             <a:pPr lvl="3"/>
             <a:r>
-              <a:rPr lang="en-US" altLang="ja-JP" b="0" dirty="0" smtClean="0"/>
+              <a:rPr lang="en-US" altLang="ja-JP" sz="1600" b="0" dirty="0" smtClean="0">
+                <a:latin typeface="+mn-ea"/>
+              </a:rPr>
               <a:t>1. </a:t>
             </a:r>
             <a:r>
-              <a:rPr lang="ja-JP" altLang="en-US" b="0" dirty="0" smtClean="0"/>
+              <a:rPr lang="ja-JP" altLang="en-US" sz="1600" b="0" dirty="0" smtClean="0">
+                <a:latin typeface="+mn-ea"/>
+              </a:rPr>
               <a:t>入力データの準備</a:t>
             </a:r>
-            <a:endParaRPr lang="en-US" altLang="ja-JP" b="0" dirty="0" smtClean="0"/>
+            <a:endParaRPr lang="en-US" altLang="ja-JP" sz="1600" b="0" dirty="0" smtClean="0">
+              <a:latin typeface="+mn-ea"/>
+            </a:endParaRPr>
           </a:p>
           <a:p>
             <a:pPr lvl="3"/>
             <a:r>
-              <a:rPr lang="ja-JP" altLang="en-US" b="0" dirty="0" smtClean="0"/>
+              <a:rPr lang="ja-JP" altLang="en-US" sz="1600" b="0" dirty="0">
+                <a:latin typeface="+mn-ea"/>
+              </a:rPr>
               <a:t>　</a:t>
             </a:r>
             <a:r>
-              <a:rPr lang="en-US" altLang="ja-JP" b="0" dirty="0" smtClean="0"/>
-              <a:t>MNIST</a:t>
-            </a:r>
-            <a:r>
-              <a:rPr lang="ja-JP" altLang="en-US" b="0" dirty="0" err="1" smtClean="0"/>
-              <a:t>のような</a:t>
-            </a:r>
-            <a:r>
-              <a:rPr lang="ja-JP" altLang="en-US" b="0" dirty="0" smtClean="0"/>
-              <a:t>よく使われるデータがあればそれを使用したかったが、そのようなものがあるかどうかわからなかった。</a:t>
-            </a:r>
-            <a:endParaRPr lang="en-US" altLang="ja-JP" b="0" dirty="0" smtClean="0"/>
+              <a:rPr lang="ja-JP" altLang="en-US" sz="1600" b="0" dirty="0" smtClean="0">
+                <a:latin typeface="+mn-ea"/>
+              </a:rPr>
+              <a:t>巨大なテキストデータを用意する。</a:t>
+            </a:r>
+            <a:r>
+              <a:rPr lang="en-US" altLang="ja-JP" sz="1600" b="0" dirty="0" err="1" smtClean="0">
+                <a:latin typeface="+mn-ea"/>
+              </a:rPr>
+              <a:t>wikipedia</a:t>
+            </a:r>
+            <a:r>
+              <a:rPr lang="ja-JP" altLang="en-US" sz="1600" b="0" dirty="0" smtClean="0">
+                <a:latin typeface="+mn-ea"/>
+              </a:rPr>
+              <a:t>が使われたりしているらしい。</a:t>
+            </a:r>
+            <a:endParaRPr lang="en-US" altLang="ja-JP" sz="1600" b="0" dirty="0" smtClean="0">
+              <a:latin typeface="+mn-ea"/>
+            </a:endParaRPr>
           </a:p>
           <a:p>
             <a:pPr lvl="3"/>
             <a:r>
-              <a:rPr lang="ja-JP" altLang="en-US" b="0" dirty="0"/>
-              <a:t>　</a:t>
-            </a:r>
-            <a:r>
-              <a:rPr lang="ja-JP" altLang="en-US" b="0" dirty="0" smtClean="0"/>
-              <a:t>今回は、以下のデータを使用してみた。</a:t>
-            </a:r>
-            <a:endParaRPr lang="en-US" altLang="ja-JP" b="0" dirty="0" smtClean="0"/>
+              <a:rPr lang="en-US" altLang="ja-JP" sz="1600" b="0" dirty="0" smtClean="0">
+                <a:latin typeface="+mn-ea"/>
+              </a:rPr>
+              <a:t>2. </a:t>
+            </a:r>
+            <a:r>
+              <a:rPr lang="ja-JP" altLang="en-US" sz="1600" b="0" dirty="0" smtClean="0">
+                <a:latin typeface="+mn-ea"/>
+              </a:rPr>
+              <a:t>単語</a:t>
+            </a:r>
+            <a:r>
+              <a:rPr lang="ja-JP" altLang="en-US" sz="1600" b="0" dirty="0">
+                <a:latin typeface="+mn-ea"/>
+              </a:rPr>
+              <a:t>ベクトル</a:t>
+            </a:r>
+            <a:r>
+              <a:rPr lang="ja-JP" altLang="en-US" sz="1600" b="0" dirty="0" smtClean="0">
+                <a:latin typeface="+mn-ea"/>
+              </a:rPr>
+              <a:t>の次元数を決める</a:t>
+            </a:r>
+            <a:endParaRPr lang="en-US" altLang="ja-JP" sz="1600" b="0" dirty="0" smtClean="0">
+              <a:latin typeface="+mn-ea"/>
+            </a:endParaRPr>
           </a:p>
           <a:p>
             <a:pPr lvl="3"/>
             <a:r>
-              <a:rPr lang="ja-JP" altLang="en-US" b="0" dirty="0" smtClean="0"/>
-              <a:t>　</a:t>
-            </a:r>
-            <a:r>
-              <a:rPr lang="en-US" altLang="ja-JP" b="0" dirty="0" smtClean="0"/>
-              <a:t>“Alice's </a:t>
-            </a:r>
-            <a:r>
-              <a:rPr lang="en-US" altLang="ja-JP" b="0" dirty="0"/>
-              <a:t>Adventures in </a:t>
-            </a:r>
-            <a:r>
-              <a:rPr lang="en-US" altLang="ja-JP" b="0" dirty="0" smtClean="0"/>
-              <a:t>Wonderland” (http</a:t>
-            </a:r>
-            <a:r>
-              <a:rPr lang="en-US" altLang="ja-JP" b="0" dirty="0"/>
-              <a:t>://</a:t>
-            </a:r>
-            <a:r>
-              <a:rPr lang="en-US" altLang="ja-JP" b="0" dirty="0" smtClean="0"/>
-              <a:t>www.gutenberg.org/files/11/11-0.txt)</a:t>
-            </a:r>
+              <a:rPr lang="ja-JP" altLang="en-US" sz="1600" b="0" dirty="0" smtClean="0">
+                <a:latin typeface="+mn-ea"/>
+              </a:rPr>
+              <a:t>　適当な次元数をどう決めればよいのかは不明。</a:t>
+            </a:r>
+            <a:endParaRPr lang="en-US" altLang="ja-JP" sz="1600" b="0" dirty="0" smtClean="0">
+              <a:latin typeface="+mn-ea"/>
+            </a:endParaRPr>
           </a:p>
           <a:p>
             <a:pPr lvl="3"/>
             <a:r>
-              <a:rPr lang="en-US" altLang="ja-JP" b="0" dirty="0" smtClean="0"/>
-              <a:t>2. </a:t>
-            </a:r>
-            <a:r>
-              <a:rPr lang="ja-JP" altLang="en-US" b="0" dirty="0" smtClean="0"/>
-              <a:t>単語</a:t>
-            </a:r>
-            <a:r>
-              <a:rPr lang="ja-JP" altLang="en-US" b="0" dirty="0"/>
-              <a:t>ベクトル</a:t>
-            </a:r>
-            <a:r>
-              <a:rPr lang="ja-JP" altLang="en-US" b="0" dirty="0" smtClean="0"/>
-              <a:t>の次元数を決める</a:t>
-            </a:r>
-            <a:endParaRPr lang="en-US" altLang="ja-JP" b="0" dirty="0" smtClean="0"/>
+              <a:rPr lang="ja-JP" altLang="en-US" sz="1600" b="0" dirty="0" smtClean="0">
+                <a:latin typeface="+mn-ea"/>
+              </a:rPr>
+              <a:t>　本家の</a:t>
+            </a:r>
+            <a:r>
+              <a:rPr lang="en-US" altLang="ja-JP" sz="1600" b="0" dirty="0" smtClean="0">
+                <a:latin typeface="+mn-ea"/>
+              </a:rPr>
+              <a:t>word2vec</a:t>
+            </a:r>
+            <a:r>
+              <a:rPr lang="ja-JP" altLang="en-US" sz="1600" b="0" dirty="0" smtClean="0">
+                <a:latin typeface="+mn-ea"/>
+              </a:rPr>
+              <a:t>はデフォルトが</a:t>
+            </a:r>
+            <a:r>
+              <a:rPr lang="en-US" altLang="ja-JP" sz="1600" b="0" dirty="0" smtClean="0">
+                <a:latin typeface="+mn-ea"/>
+              </a:rPr>
+              <a:t>200</a:t>
+            </a:r>
+            <a:r>
+              <a:rPr lang="ja-JP" altLang="en-US" sz="1600" b="0" dirty="0" smtClean="0">
+                <a:latin typeface="+mn-ea"/>
+              </a:rPr>
+              <a:t>次元とのこと。</a:t>
+            </a:r>
+            <a:endParaRPr lang="en-US" altLang="ja-JP" sz="1600" b="0" dirty="0" smtClean="0">
+              <a:latin typeface="+mn-ea"/>
+            </a:endParaRPr>
           </a:p>
           <a:p>
             <a:pPr lvl="3"/>
             <a:r>
-              <a:rPr lang="ja-JP" altLang="en-US" b="0" dirty="0" smtClean="0"/>
-              <a:t>　適当な次元数は不明。</a:t>
-            </a:r>
-            <a:endParaRPr lang="en-US" altLang="ja-JP" b="0" dirty="0"/>
+              <a:rPr lang="en-US" altLang="ja-JP" sz="1600" b="0" dirty="0" smtClean="0">
+                <a:latin typeface="+mn-ea"/>
+              </a:rPr>
+              <a:t>3. “</a:t>
+            </a:r>
+            <a:r>
+              <a:rPr lang="ja-JP" altLang="en-US" sz="1600" b="0" dirty="0" smtClean="0">
+                <a:latin typeface="+mn-ea"/>
+              </a:rPr>
+              <a:t>ウィンドウサイズ</a:t>
+            </a:r>
+            <a:r>
+              <a:rPr lang="en-US" altLang="ja-JP" sz="1600" b="0" dirty="0" smtClean="0">
+                <a:latin typeface="+mn-ea"/>
+              </a:rPr>
+              <a:t>”</a:t>
+            </a:r>
+            <a:r>
+              <a:rPr lang="ja-JP" altLang="en-US" sz="1600" b="0" dirty="0" smtClean="0">
+                <a:latin typeface="+mn-ea"/>
+              </a:rPr>
+              <a:t>を決める</a:t>
+            </a:r>
+            <a:endParaRPr lang="en-US" altLang="ja-JP" sz="1600" b="0" dirty="0" smtClean="0">
+              <a:latin typeface="+mn-ea"/>
+            </a:endParaRPr>
           </a:p>
           <a:p>
             <a:pPr lvl="3"/>
             <a:r>
-              <a:rPr lang="en-US" altLang="ja-JP" b="0" dirty="0" smtClean="0"/>
-              <a:t>3. </a:t>
-            </a:r>
-            <a:r>
-              <a:rPr lang="ja-JP" altLang="en-US" b="0" dirty="0" smtClean="0"/>
-              <a:t>学習データの作成</a:t>
-            </a:r>
-            <a:endParaRPr lang="en-US" altLang="ja-JP" b="0" dirty="0" smtClean="0"/>
+              <a:rPr lang="ja-JP" altLang="en-US" sz="1600" b="0" dirty="0">
+                <a:latin typeface="+mn-ea"/>
+              </a:rPr>
+              <a:t>　</a:t>
+            </a:r>
+            <a:r>
+              <a:rPr lang="en-US" altLang="ja-JP" sz="1600" b="0" dirty="0" smtClean="0">
+                <a:latin typeface="+mn-ea"/>
+              </a:rPr>
+              <a:t>word2vec</a:t>
+            </a:r>
+            <a:r>
+              <a:rPr lang="ja-JP" altLang="en-US" sz="1600" b="0" dirty="0" smtClean="0">
+                <a:latin typeface="+mn-ea"/>
+              </a:rPr>
+              <a:t>では、単語とその前後の単語を使用して学習を行うが、前後の単語数をウィンドウサイズという。</a:t>
+            </a:r>
+            <a:endParaRPr lang="en-US" altLang="ja-JP" sz="1600" b="0" dirty="0" smtClean="0">
+              <a:latin typeface="+mn-ea"/>
+            </a:endParaRPr>
           </a:p>
           <a:p>
             <a:pPr lvl="3"/>
             <a:r>
-              <a:rPr lang="en-US" altLang="ja-JP" b="0" dirty="0" smtClean="0"/>
-              <a:t>4. </a:t>
-            </a:r>
-            <a:r>
-              <a:rPr lang="ja-JP" altLang="en-US" b="0" dirty="0" smtClean="0"/>
-              <a:t>学習</a:t>
-            </a:r>
-            <a:endParaRPr lang="en-US" altLang="ja-JP" b="0" dirty="0" smtClean="0"/>
+              <a:rPr lang="ja-JP" altLang="en-US" sz="1600" b="0" dirty="0">
+                <a:latin typeface="+mn-ea"/>
+              </a:rPr>
+              <a:t>　</a:t>
+            </a:r>
+            <a:r>
+              <a:rPr lang="ja-JP" altLang="en-US" sz="1600" b="0" dirty="0" smtClean="0">
+                <a:latin typeface="+mn-ea"/>
+              </a:rPr>
+              <a:t>本家の</a:t>
+            </a:r>
+            <a:r>
+              <a:rPr lang="en-US" altLang="ja-JP" sz="1600" b="0" dirty="0" smtClean="0">
+                <a:latin typeface="+mn-ea"/>
+              </a:rPr>
+              <a:t>word2vec</a:t>
+            </a:r>
+            <a:r>
+              <a:rPr lang="ja-JP" altLang="en-US" sz="1600" b="0" dirty="0" smtClean="0">
+                <a:latin typeface="+mn-ea"/>
+              </a:rPr>
+              <a:t>はデフォルトが</a:t>
+            </a:r>
+            <a:r>
+              <a:rPr lang="en-US" altLang="ja-JP" sz="1600" b="0" dirty="0" smtClean="0">
+                <a:latin typeface="+mn-ea"/>
+              </a:rPr>
+              <a:t>5</a:t>
+            </a:r>
+            <a:r>
+              <a:rPr lang="ja-JP" altLang="en-US" sz="1600" b="0" dirty="0" smtClean="0">
+                <a:latin typeface="+mn-ea"/>
+              </a:rPr>
+              <a:t>とのこと。</a:t>
+            </a:r>
+            <a:endParaRPr lang="en-US" altLang="ja-JP" sz="1600" b="0" dirty="0" smtClean="0">
+              <a:latin typeface="+mn-ea"/>
+            </a:endParaRPr>
           </a:p>
           <a:p>
             <a:pPr lvl="3"/>
             <a:r>
-              <a:rPr lang="en-US" altLang="ja-JP" b="0" dirty="0" smtClean="0"/>
-              <a:t>5. </a:t>
-            </a:r>
-            <a:r>
-              <a:rPr lang="ja-JP" altLang="en-US" b="0" dirty="0" smtClean="0"/>
-              <a:t>学習済みネットワークから、単語ベクトルを取り出す</a:t>
-            </a:r>
-            <a:endParaRPr lang="en-US" altLang="ja-JP" b="0" dirty="0"/>
+              <a:rPr lang="en-US" altLang="ja-JP" sz="1600" b="0" dirty="0" smtClean="0">
+                <a:latin typeface="+mn-ea"/>
+              </a:rPr>
+              <a:t>4. </a:t>
+            </a:r>
+            <a:r>
+              <a:rPr lang="ja-JP" altLang="en-US" sz="1600" b="0" dirty="0" smtClean="0">
+                <a:latin typeface="+mn-ea"/>
+              </a:rPr>
+              <a:t>学習データの作成</a:t>
+            </a:r>
+            <a:endParaRPr lang="en-US" altLang="ja-JP" sz="1600" b="0" dirty="0" smtClean="0">
+              <a:latin typeface="+mn-ea"/>
+            </a:endParaRPr>
           </a:p>
           <a:p>
             <a:pPr lvl="3"/>
-            <a:endParaRPr lang="en-US" altLang="ja-JP" b="0" dirty="0" smtClean="0"/>
+            <a:r>
+              <a:rPr lang="en-US" altLang="ja-JP" sz="1600" b="0" dirty="0" smtClean="0">
+                <a:latin typeface="+mn-ea"/>
+              </a:rPr>
+              <a:t>5. </a:t>
+            </a:r>
+            <a:r>
+              <a:rPr lang="ja-JP" altLang="en-US" sz="1600" b="0" dirty="0" smtClean="0">
+                <a:latin typeface="+mn-ea"/>
+              </a:rPr>
+              <a:t>学習</a:t>
+            </a:r>
+            <a:endParaRPr lang="en-US" altLang="ja-JP" sz="1600" b="0" dirty="0" smtClean="0">
+              <a:latin typeface="+mn-ea"/>
+            </a:endParaRPr>
+          </a:p>
+          <a:p>
+            <a:pPr lvl="3"/>
+            <a:r>
+              <a:rPr lang="en-US" altLang="ja-JP" sz="1600" b="0" dirty="0" smtClean="0">
+                <a:latin typeface="+mn-ea"/>
+              </a:rPr>
+              <a:t>6. </a:t>
+            </a:r>
+            <a:r>
+              <a:rPr lang="ja-JP" altLang="en-US" sz="1600" b="0" dirty="0" smtClean="0">
+                <a:latin typeface="+mn-ea"/>
+              </a:rPr>
+              <a:t>学習済みネットワークから、単語ベクトルを取り出す</a:t>
+            </a:r>
+            <a:endParaRPr lang="en-US" altLang="ja-JP" sz="1600" b="0" dirty="0">
+              <a:latin typeface="+mn-ea"/>
+            </a:endParaRPr>
+          </a:p>
+          <a:p>
+            <a:pPr lvl="3"/>
+            <a:endParaRPr lang="en-US" altLang="ja-JP" sz="1600" b="0" dirty="0" smtClean="0">
+              <a:latin typeface="+mn-ea"/>
+            </a:endParaRPr>
           </a:p>
         </p:txBody>
       </p:sp>
